--- a/com.yrtech.bentleyAPI/com.yrtech.InventoryAPI/template/2022 Dealer Coop fund event plan template-under.pptx
+++ b/com.yrtech.bentleyAPI/com.yrtech.InventoryAPI/template/2022 Dealer Coop fund event plan template-under.pptx
@@ -123,7 +123,7 @@
   </p:defaultTextStyle>
   <p:extLst>
     <p:ext uri="{EFAFB233-063F-42B5-8137-9DF3F51BA10A}">
-      <p15:sldGuideLst xmlns:p15="http://schemas.microsoft.com/office/powerpoint/2012/main" xmlns="">
+      <p15:sldGuideLst xmlns="" xmlns:p15="http://schemas.microsoft.com/office/powerpoint/2012/main">
         <p15:guide id="1" pos="7310" userDrawn="1">
           <p15:clr>
             <a:srgbClr val="A4A3A4"/>
@@ -222,7 +222,7 @@
           <a:p>
             <a:fld id="{69A4D669-94F9-4D70-8C76-4C2D35D4E5D0}" type="datetimeFigureOut">
               <a:rPr lang="en-US" smtClean="0"/>
-              <a:t>4/1/2022</a:t>
+              <a:t>4/4/2022</a:t>
             </a:fld>
             <a:endParaRPr lang="en-US" dirty="0"/>
           </a:p>
@@ -1482,7 +1482,7 @@
           <a:graphicData uri="http://schemas.openxmlformats.org/presentationml/2006/ole">
             <mc:AlternateContent xmlns:mc="http://schemas.openxmlformats.org/markup-compatibility/2006">
               <mc:Choice xmlns:v="urn:schemas-microsoft-com:vml" Requires="v">
-                <p:oleObj spid="_x0000_s32794" name="think-cell Slide" r:id="rId5" imgW="216" imgH="216" progId="TCLayout.ActiveDocument.1">
+                <p:oleObj spid="_x0000_s32813" name="think-cell Slide" r:id="rId5" imgW="216" imgH="216" progId="TCLayout.ActiveDocument.1">
                   <p:embed/>
                 </p:oleObj>
               </mc:Choice>
@@ -1679,7 +1679,7 @@
           <p:cNvPr id="4" name="Footer Placeholder 3">
             <a:extLst>
               <a:ext uri="{FF2B5EF4-FFF2-40B4-BE49-F238E27FC236}">
-                <a16:creationId xmlns:a16="http://schemas.microsoft.com/office/drawing/2014/main" xmlns="" id="{17D6DE4C-D976-4B4B-B087-C035EF8D4F6F}"/>
+                <a16:creationId xmlns="" xmlns:a16="http://schemas.microsoft.com/office/drawing/2014/main" id="{17D6DE4C-D976-4B4B-B087-C035EF8D4F6F}"/>
               </a:ext>
             </a:extLst>
           </p:cNvPr>
@@ -1738,7 +1738,7 @@
           <p:cNvPr id="13" name="Straight Connector 12">
             <a:extLst>
               <a:ext uri="{FF2B5EF4-FFF2-40B4-BE49-F238E27FC236}">
-                <a16:creationId xmlns:a16="http://schemas.microsoft.com/office/drawing/2014/main" xmlns="" id="{95C486A1-9876-924E-85C2-906892F8B9AC}"/>
+                <a16:creationId xmlns="" xmlns:a16="http://schemas.microsoft.com/office/drawing/2014/main" id="{95C486A1-9876-924E-85C2-906892F8B9AC}"/>
               </a:ext>
             </a:extLst>
           </p:cNvPr>
@@ -1781,7 +1781,7 @@
           <p:cNvPr id="17" name="Slide Number Placeholder 5">
             <a:extLst>
               <a:ext uri="{FF2B5EF4-FFF2-40B4-BE49-F238E27FC236}">
-                <a16:creationId xmlns:a16="http://schemas.microsoft.com/office/drawing/2014/main" xmlns="" id="{CC67CD5C-67EC-5144-B858-5347C50D1ACD}"/>
+                <a16:creationId xmlns="" xmlns:a16="http://schemas.microsoft.com/office/drawing/2014/main" id="{CC67CD5C-67EC-5144-B858-5347C50D1ACD}"/>
               </a:ext>
             </a:extLst>
           </p:cNvPr>
@@ -1833,7 +1833,7 @@
           <p:cNvPr id="8" name="Title 7">
             <a:extLst>
               <a:ext uri="{FF2B5EF4-FFF2-40B4-BE49-F238E27FC236}">
-                <a16:creationId xmlns:a16="http://schemas.microsoft.com/office/drawing/2014/main" xmlns="" id="{8A6F1540-D306-D44E-B1B3-1ACCF1041F70}"/>
+                <a16:creationId xmlns="" xmlns:a16="http://schemas.microsoft.com/office/drawing/2014/main" id="{8A6F1540-D306-D44E-B1B3-1ACCF1041F70}"/>
               </a:ext>
             </a:extLst>
           </p:cNvPr>
@@ -2240,7 +2240,7 @@
           <a:graphicData uri="http://schemas.openxmlformats.org/presentationml/2006/ole">
             <mc:AlternateContent xmlns:mc="http://schemas.openxmlformats.org/markup-compatibility/2006">
               <mc:Choice xmlns:v="urn:schemas-microsoft-com:vml" Requires="v">
-                <p:oleObj spid="_x0000_s33818" name="think-cell Slide" r:id="rId4" imgW="216" imgH="216" progId="TCLayout.ActiveDocument.1">
+                <p:oleObj spid="_x0000_s33837" name="think-cell Slide" r:id="rId4" imgW="216" imgH="216" progId="TCLayout.ActiveDocument.1">
                   <p:embed/>
                 </p:oleObj>
               </mc:Choice>
@@ -2366,7 +2366,7 @@
           <p:cNvPr id="8" name="Title 7">
             <a:extLst>
               <a:ext uri="{FF2B5EF4-FFF2-40B4-BE49-F238E27FC236}">
-                <a16:creationId xmlns:a16="http://schemas.microsoft.com/office/drawing/2014/main" xmlns="" id="{8A6F1540-D306-D44E-B1B3-1ACCF1041F70}"/>
+                <a16:creationId xmlns="" xmlns:a16="http://schemas.microsoft.com/office/drawing/2014/main" id="{8A6F1540-D306-D44E-B1B3-1ACCF1041F70}"/>
               </a:ext>
             </a:extLst>
           </p:cNvPr>
@@ -2402,7 +2402,7 @@
           <p:cNvPr id="9" name="Content Placeholder 2">
             <a:extLst>
               <a:ext uri="{FF2B5EF4-FFF2-40B4-BE49-F238E27FC236}">
-                <a16:creationId xmlns:a16="http://schemas.microsoft.com/office/drawing/2014/main" xmlns="" id="{0A7C1352-3D49-F849-9BC3-BC0AF9CD8F04}"/>
+                <a16:creationId xmlns="" xmlns:a16="http://schemas.microsoft.com/office/drawing/2014/main" id="{0A7C1352-3D49-F849-9BC3-BC0AF9CD8F04}"/>
               </a:ext>
             </a:extLst>
           </p:cNvPr>
@@ -2494,7 +2494,7 @@
           <p:cNvPr id="10" name="Content Placeholder 2">
             <a:extLst>
               <a:ext uri="{FF2B5EF4-FFF2-40B4-BE49-F238E27FC236}">
-                <a16:creationId xmlns:a16="http://schemas.microsoft.com/office/drawing/2014/main" xmlns="" id="{D1AA7CFB-7669-2648-A3E1-E647E531399E}"/>
+                <a16:creationId xmlns="" xmlns:a16="http://schemas.microsoft.com/office/drawing/2014/main" id="{D1AA7CFB-7669-2648-A3E1-E647E531399E}"/>
               </a:ext>
             </a:extLst>
           </p:cNvPr>
@@ -2586,7 +2586,7 @@
           <p:cNvPr id="11" name="Content Placeholder 2">
             <a:extLst>
               <a:ext uri="{FF2B5EF4-FFF2-40B4-BE49-F238E27FC236}">
-                <a16:creationId xmlns:a16="http://schemas.microsoft.com/office/drawing/2014/main" xmlns="" id="{2E4B4082-D988-5D43-9C32-2C7F747717ED}"/>
+                <a16:creationId xmlns="" xmlns:a16="http://schemas.microsoft.com/office/drawing/2014/main" id="{2E4B4082-D988-5D43-9C32-2C7F747717ED}"/>
               </a:ext>
             </a:extLst>
           </p:cNvPr>
@@ -2678,7 +2678,7 @@
           <p:cNvPr id="12" name="Content Placeholder 2">
             <a:extLst>
               <a:ext uri="{FF2B5EF4-FFF2-40B4-BE49-F238E27FC236}">
-                <a16:creationId xmlns:a16="http://schemas.microsoft.com/office/drawing/2014/main" xmlns="" id="{45B8DE4D-1F9B-7341-8CB2-D70634815B55}"/>
+                <a16:creationId xmlns="" xmlns:a16="http://schemas.microsoft.com/office/drawing/2014/main" id="{45B8DE4D-1F9B-7341-8CB2-D70634815B55}"/>
               </a:ext>
             </a:extLst>
           </p:cNvPr>
@@ -2770,7 +2770,7 @@
           <p:cNvPr id="14" name="Footer Placeholder 3">
             <a:extLst>
               <a:ext uri="{FF2B5EF4-FFF2-40B4-BE49-F238E27FC236}">
-                <a16:creationId xmlns:a16="http://schemas.microsoft.com/office/drawing/2014/main" xmlns="" id="{DBA440F4-82E0-7E45-8A6F-4A8C7572AEE5}"/>
+                <a16:creationId xmlns="" xmlns:a16="http://schemas.microsoft.com/office/drawing/2014/main" id="{DBA440F4-82E0-7E45-8A6F-4A8C7572AEE5}"/>
               </a:ext>
             </a:extLst>
           </p:cNvPr>
@@ -2829,7 +2829,7 @@
           <p:cNvPr id="15" name="Slide Number Placeholder 5">
             <a:extLst>
               <a:ext uri="{FF2B5EF4-FFF2-40B4-BE49-F238E27FC236}">
-                <a16:creationId xmlns:a16="http://schemas.microsoft.com/office/drawing/2014/main" xmlns="" id="{CC67CD5C-67EC-5144-B858-5347C50D1ACD}"/>
+                <a16:creationId xmlns="" xmlns:a16="http://schemas.microsoft.com/office/drawing/2014/main" id="{CC67CD5C-67EC-5144-B858-5347C50D1ACD}"/>
               </a:ext>
             </a:extLst>
           </p:cNvPr>
@@ -2881,7 +2881,7 @@
           <p:cNvPr id="16" name="Straight Connector 15">
             <a:extLst>
               <a:ext uri="{FF2B5EF4-FFF2-40B4-BE49-F238E27FC236}">
-                <a16:creationId xmlns:a16="http://schemas.microsoft.com/office/drawing/2014/main" xmlns="" id="{95C486A1-9876-924E-85C2-906892F8B9AC}"/>
+                <a16:creationId xmlns="" xmlns:a16="http://schemas.microsoft.com/office/drawing/2014/main" id="{95C486A1-9876-924E-85C2-906892F8B9AC}"/>
               </a:ext>
             </a:extLst>
           </p:cNvPr>
@@ -2977,7 +2977,7 @@
           <a:graphicData uri="http://schemas.openxmlformats.org/presentationml/2006/ole">
             <mc:AlternateContent xmlns:mc="http://schemas.openxmlformats.org/markup-compatibility/2006">
               <mc:Choice xmlns:v="urn:schemas-microsoft-com:vml" Requires="v">
-                <p:oleObj spid="_x0000_s34842" name="think-cell Slide" r:id="rId4" imgW="216" imgH="216" progId="TCLayout.ActiveDocument.1">
+                <p:oleObj spid="_x0000_s34861" name="think-cell Slide" r:id="rId4" imgW="216" imgH="216" progId="TCLayout.ActiveDocument.1">
                   <p:embed/>
                 </p:oleObj>
               </mc:Choice>
@@ -3017,7 +3017,7 @@
           <p:cNvPr id="8" name="Title 7">
             <a:extLst>
               <a:ext uri="{FF2B5EF4-FFF2-40B4-BE49-F238E27FC236}">
-                <a16:creationId xmlns:a16="http://schemas.microsoft.com/office/drawing/2014/main" xmlns="" id="{8A6F1540-D306-D44E-B1B3-1ACCF1041F70}"/>
+                <a16:creationId xmlns="" xmlns:a16="http://schemas.microsoft.com/office/drawing/2014/main" id="{8A6F1540-D306-D44E-B1B3-1ACCF1041F70}"/>
               </a:ext>
             </a:extLst>
           </p:cNvPr>
@@ -3813,7 +3813,7 @@
           <p:cNvPr id="37" name="Footer Placeholder 3">
             <a:extLst>
               <a:ext uri="{FF2B5EF4-FFF2-40B4-BE49-F238E27FC236}">
-                <a16:creationId xmlns:a16="http://schemas.microsoft.com/office/drawing/2014/main" xmlns="" id="{DBA440F4-82E0-7E45-8A6F-4A8C7572AEE5}"/>
+                <a16:creationId xmlns="" xmlns:a16="http://schemas.microsoft.com/office/drawing/2014/main" id="{DBA440F4-82E0-7E45-8A6F-4A8C7572AEE5}"/>
               </a:ext>
             </a:extLst>
           </p:cNvPr>
@@ -3872,7 +3872,7 @@
           <p:cNvPr id="38" name="Slide Number Placeholder 5">
             <a:extLst>
               <a:ext uri="{FF2B5EF4-FFF2-40B4-BE49-F238E27FC236}">
-                <a16:creationId xmlns:a16="http://schemas.microsoft.com/office/drawing/2014/main" xmlns="" id="{CC67CD5C-67EC-5144-B858-5347C50D1ACD}"/>
+                <a16:creationId xmlns="" xmlns:a16="http://schemas.microsoft.com/office/drawing/2014/main" id="{CC67CD5C-67EC-5144-B858-5347C50D1ACD}"/>
               </a:ext>
             </a:extLst>
           </p:cNvPr>
@@ -3924,7 +3924,7 @@
           <p:cNvPr id="39" name="Straight Connector 38">
             <a:extLst>
               <a:ext uri="{FF2B5EF4-FFF2-40B4-BE49-F238E27FC236}">
-                <a16:creationId xmlns:a16="http://schemas.microsoft.com/office/drawing/2014/main" xmlns="" id="{95C486A1-9876-924E-85C2-906892F8B9AC}"/>
+                <a16:creationId xmlns="" xmlns:a16="http://schemas.microsoft.com/office/drawing/2014/main" id="{95C486A1-9876-924E-85C2-906892F8B9AC}"/>
               </a:ext>
             </a:extLst>
           </p:cNvPr>
@@ -4025,7 +4025,7 @@
           <a:graphicData uri="http://schemas.openxmlformats.org/presentationml/2006/ole">
             <mc:AlternateContent xmlns:mc="http://schemas.openxmlformats.org/markup-compatibility/2006">
               <mc:Choice xmlns:v="urn:schemas-microsoft-com:vml" Requires="v">
-                <p:oleObj spid="_x0000_s35866" name="think-cell Slide" r:id="rId5" imgW="216" imgH="216" progId="TCLayout.ActiveDocument.1">
+                <p:oleObj spid="_x0000_s35885" name="think-cell Slide" r:id="rId5" imgW="216" imgH="216" progId="TCLayout.ActiveDocument.1">
                   <p:embed/>
                 </p:oleObj>
               </mc:Choice>
@@ -4242,7 +4242,7 @@
           <p:cNvPr id="4" name="Footer Placeholder 3">
             <a:extLst>
               <a:ext uri="{FF2B5EF4-FFF2-40B4-BE49-F238E27FC236}">
-                <a16:creationId xmlns:a16="http://schemas.microsoft.com/office/drawing/2014/main" xmlns="" id="{17D6DE4C-D976-4B4B-B087-C035EF8D4F6F}"/>
+                <a16:creationId xmlns="" xmlns:a16="http://schemas.microsoft.com/office/drawing/2014/main" id="{17D6DE4C-D976-4B4B-B087-C035EF8D4F6F}"/>
               </a:ext>
             </a:extLst>
           </p:cNvPr>
@@ -4301,7 +4301,7 @@
           <p:cNvPr id="17" name="Slide Number Placeholder 5">
             <a:extLst>
               <a:ext uri="{FF2B5EF4-FFF2-40B4-BE49-F238E27FC236}">
-                <a16:creationId xmlns:a16="http://schemas.microsoft.com/office/drawing/2014/main" xmlns="" id="{CC67CD5C-67EC-5144-B858-5347C50D1ACD}"/>
+                <a16:creationId xmlns="" xmlns:a16="http://schemas.microsoft.com/office/drawing/2014/main" id="{CC67CD5C-67EC-5144-B858-5347C50D1ACD}"/>
               </a:ext>
             </a:extLst>
           </p:cNvPr>
@@ -4353,7 +4353,7 @@
           <p:cNvPr id="8" name="Title 7">
             <a:extLst>
               <a:ext uri="{FF2B5EF4-FFF2-40B4-BE49-F238E27FC236}">
-                <a16:creationId xmlns:a16="http://schemas.microsoft.com/office/drawing/2014/main" xmlns="" id="{8A6F1540-D306-D44E-B1B3-1ACCF1041F70}"/>
+                <a16:creationId xmlns="" xmlns:a16="http://schemas.microsoft.com/office/drawing/2014/main" id="{8A6F1540-D306-D44E-B1B3-1ACCF1041F70}"/>
               </a:ext>
             </a:extLst>
           </p:cNvPr>
@@ -4397,7 +4397,7 @@
           <p:cNvPr id="9" name="Straight Connector 8">
             <a:extLst>
               <a:ext uri="{FF2B5EF4-FFF2-40B4-BE49-F238E27FC236}">
-                <a16:creationId xmlns:a16="http://schemas.microsoft.com/office/drawing/2014/main" xmlns="" id="{BB1AA2BE-B537-254D-958A-FBAFDE7E90DC}"/>
+                <a16:creationId xmlns="" xmlns:a16="http://schemas.microsoft.com/office/drawing/2014/main" id="{BB1AA2BE-B537-254D-958A-FBAFDE7E90DC}"/>
               </a:ext>
             </a:extLst>
           </p:cNvPr>
@@ -4440,7 +4440,7 @@
           <p:cNvPr id="10" name="Straight Connector 9">
             <a:extLst>
               <a:ext uri="{FF2B5EF4-FFF2-40B4-BE49-F238E27FC236}">
-                <a16:creationId xmlns:a16="http://schemas.microsoft.com/office/drawing/2014/main" xmlns="" id="{95C486A1-9876-924E-85C2-906892F8B9AC}"/>
+                <a16:creationId xmlns="" xmlns:a16="http://schemas.microsoft.com/office/drawing/2014/main" id="{95C486A1-9876-924E-85C2-906892F8B9AC}"/>
               </a:ext>
             </a:extLst>
           </p:cNvPr>
@@ -4544,7 +4544,7 @@
           <a:graphicData uri="http://schemas.openxmlformats.org/presentationml/2006/ole">
             <mc:AlternateContent xmlns:mc="http://schemas.openxmlformats.org/markup-compatibility/2006">
               <mc:Choice xmlns:v="urn:schemas-microsoft-com:vml" Requires="v">
-                <p:oleObj spid="_x0000_s45064" name="think-cell Slide" r:id="rId4" imgW="216" imgH="216" progId="TCLayout.ActiveDocument.1">
+                <p:oleObj spid="_x0000_s45083" name="think-cell Slide" r:id="rId4" imgW="216" imgH="216" progId="TCLayout.ActiveDocument.1">
                   <p:embed/>
                 </p:oleObj>
               </mc:Choice>
@@ -4630,7 +4630,7 @@
           <a:graphicData uri="http://schemas.openxmlformats.org/presentationml/2006/ole">
             <mc:AlternateContent xmlns:mc="http://schemas.openxmlformats.org/markup-compatibility/2006">
               <mc:Choice xmlns:v="urn:schemas-microsoft-com:vml" Requires="v">
-                <p:oleObj spid="_x0000_s37914" name="think-cell Slide" r:id="rId5" imgW="216" imgH="216" progId="TCLayout.ActiveDocument.1">
+                <p:oleObj spid="_x0000_s37933" name="think-cell Slide" r:id="rId5" imgW="216" imgH="216" progId="TCLayout.ActiveDocument.1">
                   <p:embed/>
                 </p:oleObj>
               </mc:Choice>
@@ -4827,7 +4827,7 @@
           <p:cNvPr id="4" name="Footer Placeholder 3">
             <a:extLst>
               <a:ext uri="{FF2B5EF4-FFF2-40B4-BE49-F238E27FC236}">
-                <a16:creationId xmlns:a16="http://schemas.microsoft.com/office/drawing/2014/main" xmlns="" id="{17D6DE4C-D976-4B4B-B087-C035EF8D4F6F}"/>
+                <a16:creationId xmlns="" xmlns:a16="http://schemas.microsoft.com/office/drawing/2014/main" id="{17D6DE4C-D976-4B4B-B087-C035EF8D4F6F}"/>
               </a:ext>
             </a:extLst>
           </p:cNvPr>
@@ -4886,7 +4886,7 @@
           <p:cNvPr id="13" name="Straight Connector 12">
             <a:extLst>
               <a:ext uri="{FF2B5EF4-FFF2-40B4-BE49-F238E27FC236}">
-                <a16:creationId xmlns:a16="http://schemas.microsoft.com/office/drawing/2014/main" xmlns="" id="{95C486A1-9876-924E-85C2-906892F8B9AC}"/>
+                <a16:creationId xmlns="" xmlns:a16="http://schemas.microsoft.com/office/drawing/2014/main" id="{95C486A1-9876-924E-85C2-906892F8B9AC}"/>
               </a:ext>
             </a:extLst>
           </p:cNvPr>
@@ -4929,7 +4929,7 @@
           <p:cNvPr id="17" name="Slide Number Placeholder 5">
             <a:extLst>
               <a:ext uri="{FF2B5EF4-FFF2-40B4-BE49-F238E27FC236}">
-                <a16:creationId xmlns:a16="http://schemas.microsoft.com/office/drawing/2014/main" xmlns="" id="{CC67CD5C-67EC-5144-B858-5347C50D1ACD}"/>
+                <a16:creationId xmlns="" xmlns:a16="http://schemas.microsoft.com/office/drawing/2014/main" id="{CC67CD5C-67EC-5144-B858-5347C50D1ACD}"/>
               </a:ext>
             </a:extLst>
           </p:cNvPr>
@@ -4981,7 +4981,7 @@
           <p:cNvPr id="8" name="Title 7">
             <a:extLst>
               <a:ext uri="{FF2B5EF4-FFF2-40B4-BE49-F238E27FC236}">
-                <a16:creationId xmlns:a16="http://schemas.microsoft.com/office/drawing/2014/main" xmlns="" id="{8A6F1540-D306-D44E-B1B3-1ACCF1041F70}"/>
+                <a16:creationId xmlns="" xmlns:a16="http://schemas.microsoft.com/office/drawing/2014/main" id="{8A6F1540-D306-D44E-B1B3-1ACCF1041F70}"/>
               </a:ext>
             </a:extLst>
           </p:cNvPr>
@@ -5107,7 +5107,7 @@
           <a:graphicData uri="http://schemas.openxmlformats.org/presentationml/2006/ole">
             <mc:AlternateContent xmlns:mc="http://schemas.openxmlformats.org/markup-compatibility/2006">
               <mc:Choice xmlns:v="urn:schemas-microsoft-com:vml" Requires="v">
-                <p:oleObj spid="_x0000_s38938" name="think-cell Slide" r:id="rId4" imgW="216" imgH="216" progId="TCLayout.ActiveDocument.1">
+                <p:oleObj spid="_x0000_s38957" name="think-cell Slide" r:id="rId4" imgW="216" imgH="216" progId="TCLayout.ActiveDocument.1">
                   <p:embed/>
                 </p:oleObj>
               </mc:Choice>
@@ -5233,7 +5233,7 @@
           <p:cNvPr id="8" name="Title 7">
             <a:extLst>
               <a:ext uri="{FF2B5EF4-FFF2-40B4-BE49-F238E27FC236}">
-                <a16:creationId xmlns:a16="http://schemas.microsoft.com/office/drawing/2014/main" xmlns="" id="{8A6F1540-D306-D44E-B1B3-1ACCF1041F70}"/>
+                <a16:creationId xmlns="" xmlns:a16="http://schemas.microsoft.com/office/drawing/2014/main" id="{8A6F1540-D306-D44E-B1B3-1ACCF1041F70}"/>
               </a:ext>
             </a:extLst>
           </p:cNvPr>
@@ -5269,7 +5269,7 @@
           <p:cNvPr id="9" name="Content Placeholder 2">
             <a:extLst>
               <a:ext uri="{FF2B5EF4-FFF2-40B4-BE49-F238E27FC236}">
-                <a16:creationId xmlns:a16="http://schemas.microsoft.com/office/drawing/2014/main" xmlns="" id="{0A7C1352-3D49-F849-9BC3-BC0AF9CD8F04}"/>
+                <a16:creationId xmlns="" xmlns:a16="http://schemas.microsoft.com/office/drawing/2014/main" id="{0A7C1352-3D49-F849-9BC3-BC0AF9CD8F04}"/>
               </a:ext>
             </a:extLst>
           </p:cNvPr>
@@ -5361,7 +5361,7 @@
           <p:cNvPr id="10" name="Content Placeholder 2">
             <a:extLst>
               <a:ext uri="{FF2B5EF4-FFF2-40B4-BE49-F238E27FC236}">
-                <a16:creationId xmlns:a16="http://schemas.microsoft.com/office/drawing/2014/main" xmlns="" id="{D1AA7CFB-7669-2648-A3E1-E647E531399E}"/>
+                <a16:creationId xmlns="" xmlns:a16="http://schemas.microsoft.com/office/drawing/2014/main" id="{D1AA7CFB-7669-2648-A3E1-E647E531399E}"/>
               </a:ext>
             </a:extLst>
           </p:cNvPr>
@@ -5453,7 +5453,7 @@
           <p:cNvPr id="11" name="Content Placeholder 2">
             <a:extLst>
               <a:ext uri="{FF2B5EF4-FFF2-40B4-BE49-F238E27FC236}">
-                <a16:creationId xmlns:a16="http://schemas.microsoft.com/office/drawing/2014/main" xmlns="" id="{2E4B4082-D988-5D43-9C32-2C7F747717ED}"/>
+                <a16:creationId xmlns="" xmlns:a16="http://schemas.microsoft.com/office/drawing/2014/main" id="{2E4B4082-D988-5D43-9C32-2C7F747717ED}"/>
               </a:ext>
             </a:extLst>
           </p:cNvPr>
@@ -5545,7 +5545,7 @@
           <p:cNvPr id="12" name="Content Placeholder 2">
             <a:extLst>
               <a:ext uri="{FF2B5EF4-FFF2-40B4-BE49-F238E27FC236}">
-                <a16:creationId xmlns:a16="http://schemas.microsoft.com/office/drawing/2014/main" xmlns="" id="{45B8DE4D-1F9B-7341-8CB2-D70634815B55}"/>
+                <a16:creationId xmlns="" xmlns:a16="http://schemas.microsoft.com/office/drawing/2014/main" id="{45B8DE4D-1F9B-7341-8CB2-D70634815B55}"/>
               </a:ext>
             </a:extLst>
           </p:cNvPr>
@@ -5637,7 +5637,7 @@
           <p:cNvPr id="14" name="Footer Placeholder 3">
             <a:extLst>
               <a:ext uri="{FF2B5EF4-FFF2-40B4-BE49-F238E27FC236}">
-                <a16:creationId xmlns:a16="http://schemas.microsoft.com/office/drawing/2014/main" xmlns="" id="{DBA440F4-82E0-7E45-8A6F-4A8C7572AEE5}"/>
+                <a16:creationId xmlns="" xmlns:a16="http://schemas.microsoft.com/office/drawing/2014/main" id="{DBA440F4-82E0-7E45-8A6F-4A8C7572AEE5}"/>
               </a:ext>
             </a:extLst>
           </p:cNvPr>
@@ -5696,7 +5696,7 @@
           <p:cNvPr id="15" name="Slide Number Placeholder 5">
             <a:extLst>
               <a:ext uri="{FF2B5EF4-FFF2-40B4-BE49-F238E27FC236}">
-                <a16:creationId xmlns:a16="http://schemas.microsoft.com/office/drawing/2014/main" xmlns="" id="{CC67CD5C-67EC-5144-B858-5347C50D1ACD}"/>
+                <a16:creationId xmlns="" xmlns:a16="http://schemas.microsoft.com/office/drawing/2014/main" id="{CC67CD5C-67EC-5144-B858-5347C50D1ACD}"/>
               </a:ext>
             </a:extLst>
           </p:cNvPr>
@@ -5748,7 +5748,7 @@
           <p:cNvPr id="16" name="Straight Connector 15">
             <a:extLst>
               <a:ext uri="{FF2B5EF4-FFF2-40B4-BE49-F238E27FC236}">
-                <a16:creationId xmlns:a16="http://schemas.microsoft.com/office/drawing/2014/main" xmlns="" id="{95C486A1-9876-924E-85C2-906892F8B9AC}"/>
+                <a16:creationId xmlns="" xmlns:a16="http://schemas.microsoft.com/office/drawing/2014/main" id="{95C486A1-9876-924E-85C2-906892F8B9AC}"/>
               </a:ext>
             </a:extLst>
           </p:cNvPr>
@@ -5844,7 +5844,7 @@
           <a:graphicData uri="http://schemas.openxmlformats.org/presentationml/2006/ole">
             <mc:AlternateContent xmlns:mc="http://schemas.openxmlformats.org/markup-compatibility/2006">
               <mc:Choice xmlns:v="urn:schemas-microsoft-com:vml" Requires="v">
-                <p:oleObj spid="_x0000_s39962" name="think-cell Slide" r:id="rId4" imgW="216" imgH="216" progId="TCLayout.ActiveDocument.1">
+                <p:oleObj spid="_x0000_s39981" name="think-cell Slide" r:id="rId4" imgW="216" imgH="216" progId="TCLayout.ActiveDocument.1">
                   <p:embed/>
                 </p:oleObj>
               </mc:Choice>
@@ -5884,7 +5884,7 @@
           <p:cNvPr id="8" name="Title 7">
             <a:extLst>
               <a:ext uri="{FF2B5EF4-FFF2-40B4-BE49-F238E27FC236}">
-                <a16:creationId xmlns:a16="http://schemas.microsoft.com/office/drawing/2014/main" xmlns="" id="{8A6F1540-D306-D44E-B1B3-1ACCF1041F70}"/>
+                <a16:creationId xmlns="" xmlns:a16="http://schemas.microsoft.com/office/drawing/2014/main" id="{8A6F1540-D306-D44E-B1B3-1ACCF1041F70}"/>
               </a:ext>
             </a:extLst>
           </p:cNvPr>
@@ -6680,7 +6680,7 @@
           <p:cNvPr id="37" name="Footer Placeholder 3">
             <a:extLst>
               <a:ext uri="{FF2B5EF4-FFF2-40B4-BE49-F238E27FC236}">
-                <a16:creationId xmlns:a16="http://schemas.microsoft.com/office/drawing/2014/main" xmlns="" id="{DBA440F4-82E0-7E45-8A6F-4A8C7572AEE5}"/>
+                <a16:creationId xmlns="" xmlns:a16="http://schemas.microsoft.com/office/drawing/2014/main" id="{DBA440F4-82E0-7E45-8A6F-4A8C7572AEE5}"/>
               </a:ext>
             </a:extLst>
           </p:cNvPr>
@@ -6739,7 +6739,7 @@
           <p:cNvPr id="38" name="Slide Number Placeholder 5">
             <a:extLst>
               <a:ext uri="{FF2B5EF4-FFF2-40B4-BE49-F238E27FC236}">
-                <a16:creationId xmlns:a16="http://schemas.microsoft.com/office/drawing/2014/main" xmlns="" id="{CC67CD5C-67EC-5144-B858-5347C50D1ACD}"/>
+                <a16:creationId xmlns="" xmlns:a16="http://schemas.microsoft.com/office/drawing/2014/main" id="{CC67CD5C-67EC-5144-B858-5347C50D1ACD}"/>
               </a:ext>
             </a:extLst>
           </p:cNvPr>
@@ -6791,7 +6791,7 @@
           <p:cNvPr id="39" name="Straight Connector 38">
             <a:extLst>
               <a:ext uri="{FF2B5EF4-FFF2-40B4-BE49-F238E27FC236}">
-                <a16:creationId xmlns:a16="http://schemas.microsoft.com/office/drawing/2014/main" xmlns="" id="{95C486A1-9876-924E-85C2-906892F8B9AC}"/>
+                <a16:creationId xmlns="" xmlns:a16="http://schemas.microsoft.com/office/drawing/2014/main" id="{95C486A1-9876-924E-85C2-906892F8B9AC}"/>
               </a:ext>
             </a:extLst>
           </p:cNvPr>
@@ -6892,7 +6892,7 @@
           <a:graphicData uri="http://schemas.openxmlformats.org/presentationml/2006/ole">
             <mc:AlternateContent xmlns:mc="http://schemas.openxmlformats.org/markup-compatibility/2006">
               <mc:Choice xmlns:v="urn:schemas-microsoft-com:vml" Requires="v">
-                <p:oleObj spid="_x0000_s40986" name="think-cell Slide" r:id="rId5" imgW="216" imgH="216" progId="TCLayout.ActiveDocument.1">
+                <p:oleObj spid="_x0000_s41005" name="think-cell Slide" r:id="rId5" imgW="216" imgH="216" progId="TCLayout.ActiveDocument.1">
                   <p:embed/>
                 </p:oleObj>
               </mc:Choice>
@@ -7109,7 +7109,7 @@
           <p:cNvPr id="4" name="Footer Placeholder 3">
             <a:extLst>
               <a:ext uri="{FF2B5EF4-FFF2-40B4-BE49-F238E27FC236}">
-                <a16:creationId xmlns:a16="http://schemas.microsoft.com/office/drawing/2014/main" xmlns="" id="{17D6DE4C-D976-4B4B-B087-C035EF8D4F6F}"/>
+                <a16:creationId xmlns="" xmlns:a16="http://schemas.microsoft.com/office/drawing/2014/main" id="{17D6DE4C-D976-4B4B-B087-C035EF8D4F6F}"/>
               </a:ext>
             </a:extLst>
           </p:cNvPr>
@@ -7168,7 +7168,7 @@
           <p:cNvPr id="17" name="Slide Number Placeholder 5">
             <a:extLst>
               <a:ext uri="{FF2B5EF4-FFF2-40B4-BE49-F238E27FC236}">
-                <a16:creationId xmlns:a16="http://schemas.microsoft.com/office/drawing/2014/main" xmlns="" id="{CC67CD5C-67EC-5144-B858-5347C50D1ACD}"/>
+                <a16:creationId xmlns="" xmlns:a16="http://schemas.microsoft.com/office/drawing/2014/main" id="{CC67CD5C-67EC-5144-B858-5347C50D1ACD}"/>
               </a:ext>
             </a:extLst>
           </p:cNvPr>
@@ -7220,7 +7220,7 @@
           <p:cNvPr id="8" name="Title 7">
             <a:extLst>
               <a:ext uri="{FF2B5EF4-FFF2-40B4-BE49-F238E27FC236}">
-                <a16:creationId xmlns:a16="http://schemas.microsoft.com/office/drawing/2014/main" xmlns="" id="{8A6F1540-D306-D44E-B1B3-1ACCF1041F70}"/>
+                <a16:creationId xmlns="" xmlns:a16="http://schemas.microsoft.com/office/drawing/2014/main" id="{8A6F1540-D306-D44E-B1B3-1ACCF1041F70}"/>
               </a:ext>
             </a:extLst>
           </p:cNvPr>
@@ -7264,7 +7264,7 @@
           <p:cNvPr id="9" name="Straight Connector 8">
             <a:extLst>
               <a:ext uri="{FF2B5EF4-FFF2-40B4-BE49-F238E27FC236}">
-                <a16:creationId xmlns:a16="http://schemas.microsoft.com/office/drawing/2014/main" xmlns="" id="{BB1AA2BE-B537-254D-958A-FBAFDE7E90DC}"/>
+                <a16:creationId xmlns="" xmlns:a16="http://schemas.microsoft.com/office/drawing/2014/main" id="{BB1AA2BE-B537-254D-958A-FBAFDE7E90DC}"/>
               </a:ext>
             </a:extLst>
           </p:cNvPr>
@@ -7307,7 +7307,7 @@
           <p:cNvPr id="10" name="Straight Connector 9">
             <a:extLst>
               <a:ext uri="{FF2B5EF4-FFF2-40B4-BE49-F238E27FC236}">
-                <a16:creationId xmlns:a16="http://schemas.microsoft.com/office/drawing/2014/main" xmlns="" id="{95C486A1-9876-924E-85C2-906892F8B9AC}"/>
+                <a16:creationId xmlns="" xmlns:a16="http://schemas.microsoft.com/office/drawing/2014/main" id="{95C486A1-9876-924E-85C2-906892F8B9AC}"/>
               </a:ext>
             </a:extLst>
           </p:cNvPr>
@@ -7412,7 +7412,7 @@
           <a:graphicData uri="http://schemas.openxmlformats.org/presentationml/2006/ole">
             <mc:AlternateContent xmlns:mc="http://schemas.openxmlformats.org/markup-compatibility/2006">
               <mc:Choice xmlns:v="urn:schemas-microsoft-com:vml" Requires="v">
-                <p:oleObj spid="_x0000_s31770" name="think-cell Slide" r:id="rId10" imgW="216" imgH="216" progId="TCLayout.ActiveDocument.1">
+                <p:oleObj spid="_x0000_s31789" name="think-cell Slide" r:id="rId10" imgW="216" imgH="216" progId="TCLayout.ActiveDocument.1">
                   <p:embed/>
                 </p:oleObj>
               </mc:Choice>
@@ -7532,7 +7532,7 @@
           <p:cNvPr id="10" name="Straight Connector 9">
             <a:extLst>
               <a:ext uri="{FF2B5EF4-FFF2-40B4-BE49-F238E27FC236}">
-                <a16:creationId xmlns:a16="http://schemas.microsoft.com/office/drawing/2014/main" xmlns="" id="{BB1AA2BE-B537-254D-958A-FBAFDE7E90DC}"/>
+                <a16:creationId xmlns="" xmlns:a16="http://schemas.microsoft.com/office/drawing/2014/main" id="{BB1AA2BE-B537-254D-958A-FBAFDE7E90DC}"/>
               </a:ext>
             </a:extLst>
           </p:cNvPr>
@@ -7575,7 +7575,7 @@
           <p:cNvPr id="15" name="Footer Placeholder 3">
             <a:extLst>
               <a:ext uri="{FF2B5EF4-FFF2-40B4-BE49-F238E27FC236}">
-                <a16:creationId xmlns:a16="http://schemas.microsoft.com/office/drawing/2014/main" xmlns="" id="{DBA440F4-82E0-7E45-8A6F-4A8C7572AEE5}"/>
+                <a16:creationId xmlns="" xmlns:a16="http://schemas.microsoft.com/office/drawing/2014/main" id="{DBA440F4-82E0-7E45-8A6F-4A8C7572AEE5}"/>
               </a:ext>
             </a:extLst>
           </p:cNvPr>
@@ -7634,7 +7634,7 @@
           <p:cNvPr id="16" name="Slide Number Placeholder 5">
             <a:extLst>
               <a:ext uri="{FF2B5EF4-FFF2-40B4-BE49-F238E27FC236}">
-                <a16:creationId xmlns:a16="http://schemas.microsoft.com/office/drawing/2014/main" xmlns="" id="{2D9636C8-FF6B-E141-B9E1-70C7091B23B1}"/>
+                <a16:creationId xmlns="" xmlns:a16="http://schemas.microsoft.com/office/drawing/2014/main" id="{2D9636C8-FF6B-E141-B9E1-70C7091B23B1}"/>
               </a:ext>
             </a:extLst>
           </p:cNvPr>
@@ -8001,7 +8001,7 @@
   </p:txStyles>
   <p:extLst mod="1">
     <p:ext uri="{27BBF7A9-308A-43DC-89C8-2F10F3537804}">
-      <p15:sldGuideLst xmlns:p15="http://schemas.microsoft.com/office/powerpoint/2012/main" xmlns="">
+      <p15:sldGuideLst xmlns="" xmlns:p15="http://schemas.microsoft.com/office/powerpoint/2012/main">
         <p15:guide id="1" orient="horz" pos="2041">
           <p15:clr>
             <a:srgbClr val="F26B43"/>
@@ -8170,7 +8170,7 @@
           <a:graphicData uri="http://schemas.openxmlformats.org/presentationml/2006/ole">
             <mc:AlternateContent xmlns:mc="http://schemas.openxmlformats.org/markup-compatibility/2006">
               <mc:Choice xmlns:v="urn:schemas-microsoft-com:vml" Requires="v">
-                <p:oleObj spid="_x0000_s36891" name="think-cell Slide" r:id="rId10" imgW="216" imgH="216" progId="TCLayout.ActiveDocument.1">
+                <p:oleObj spid="_x0000_s36910" name="think-cell Slide" r:id="rId10" imgW="216" imgH="216" progId="TCLayout.ActiveDocument.1">
                   <p:embed/>
                 </p:oleObj>
               </mc:Choice>
@@ -8290,7 +8290,7 @@
           <p:cNvPr id="10" name="Straight Connector 9">
             <a:extLst>
               <a:ext uri="{FF2B5EF4-FFF2-40B4-BE49-F238E27FC236}">
-                <a16:creationId xmlns:a16="http://schemas.microsoft.com/office/drawing/2014/main" xmlns="" id="{BB1AA2BE-B537-254D-958A-FBAFDE7E90DC}"/>
+                <a16:creationId xmlns="" xmlns:a16="http://schemas.microsoft.com/office/drawing/2014/main" id="{BB1AA2BE-B537-254D-958A-FBAFDE7E90DC}"/>
               </a:ext>
             </a:extLst>
           </p:cNvPr>
@@ -8333,7 +8333,7 @@
           <p:cNvPr id="15" name="Footer Placeholder 3">
             <a:extLst>
               <a:ext uri="{FF2B5EF4-FFF2-40B4-BE49-F238E27FC236}">
-                <a16:creationId xmlns:a16="http://schemas.microsoft.com/office/drawing/2014/main" xmlns="" id="{DBA440F4-82E0-7E45-8A6F-4A8C7572AEE5}"/>
+                <a16:creationId xmlns="" xmlns:a16="http://schemas.microsoft.com/office/drawing/2014/main" id="{DBA440F4-82E0-7E45-8A6F-4A8C7572AEE5}"/>
               </a:ext>
             </a:extLst>
           </p:cNvPr>
@@ -8392,7 +8392,7 @@
           <p:cNvPr id="16" name="Slide Number Placeholder 5">
             <a:extLst>
               <a:ext uri="{FF2B5EF4-FFF2-40B4-BE49-F238E27FC236}">
-                <a16:creationId xmlns:a16="http://schemas.microsoft.com/office/drawing/2014/main" xmlns="" id="{2D9636C8-FF6B-E141-B9E1-70C7091B23B1}"/>
+                <a16:creationId xmlns="" xmlns:a16="http://schemas.microsoft.com/office/drawing/2014/main" id="{2D9636C8-FF6B-E141-B9E1-70C7091B23B1}"/>
               </a:ext>
             </a:extLst>
           </p:cNvPr>
@@ -8759,7 +8759,7 @@
   </p:txStyles>
   <p:extLst mod="1">
     <p:ext uri="{27BBF7A9-308A-43DC-89C8-2F10F3537804}">
-      <p15:sldGuideLst xmlns:p15="http://schemas.microsoft.com/office/powerpoint/2012/main" xmlns="">
+      <p15:sldGuideLst xmlns="" xmlns:p15="http://schemas.microsoft.com/office/powerpoint/2012/main">
         <p15:guide id="1" orient="horz" pos="2041">
           <p15:clr>
             <a:srgbClr val="F26B43"/>
@@ -9028,18 +9028,15 @@
               </a:rPr>
               <a:t>宾利</a:t>
             </a:r>
-            <a:r>
-              <a:rPr lang="en-US" altLang="zh-CN" sz="1507" dirty="0" smtClean="0">
-                <a:solidFill>
-                  <a:srgbClr val="F1F1F1"/>
-                </a:solidFill>
-                <a:latin typeface="+mn-lt"/>
-                <a:ea typeface="+mn-ea"/>
-                <a:cs typeface="+mn-ea"/>
-                <a:sym typeface="+mn-lt"/>
-              </a:rPr>
-              <a:t>XXXX</a:t>
-            </a:r>
+            <a:endParaRPr lang="en-US" altLang="zh-CN" sz="1507" dirty="0" smtClean="0">
+              <a:solidFill>
+                <a:srgbClr val="F1F1F1"/>
+              </a:solidFill>
+              <a:latin typeface="+mn-lt"/>
+              <a:ea typeface="+mn-ea"/>
+              <a:cs typeface="+mn-ea"/>
+              <a:sym typeface="+mn-lt"/>
+            </a:endParaRPr>
           </a:p>
           <a:p>
             <a:pPr algn="l">
@@ -9157,7 +9154,7 @@
                 <a:cs typeface="+mn-ea"/>
                 <a:sym typeface="+mn-lt"/>
               </a:rPr>
-              <a:t>2022-xx-xx</a:t>
+              <a:t>2022--</a:t>
             </a:r>
             <a:endParaRPr lang="en-US" sz="1507" dirty="0">
               <a:solidFill>
@@ -9221,7 +9218,7 @@
                 <a:cs typeface="+mn-ea"/>
                 <a:sym typeface="+mn-lt"/>
               </a:rPr>
-              <a:t>2022-xx-xx</a:t>
+              <a:t>2022--</a:t>
             </a:r>
             <a:endParaRPr lang="en-US" sz="1507" dirty="0">
               <a:solidFill>
@@ -10065,21 +10062,21 @@
                 <a:gridCol w="2878070">
                   <a:extLst>
                     <a:ext uri="{9D8B030D-6E8A-4147-A177-3AD203B41FA5}">
-                      <a16:colId xmlns:a16="http://schemas.microsoft.com/office/drawing/2014/main" xmlns="" val="20000"/>
+                      <a16:colId xmlns="" xmlns:a16="http://schemas.microsoft.com/office/drawing/2014/main" val="20000"/>
                     </a:ext>
                   </a:extLst>
                 </a:gridCol>
                 <a:gridCol w="4077266">
                   <a:extLst>
                     <a:ext uri="{9D8B030D-6E8A-4147-A177-3AD203B41FA5}">
-                      <a16:colId xmlns:a16="http://schemas.microsoft.com/office/drawing/2014/main" xmlns="" val="20001"/>
+                      <a16:colId xmlns="" xmlns:a16="http://schemas.microsoft.com/office/drawing/2014/main" val="20001"/>
                     </a:ext>
                   </a:extLst>
                 </a:gridCol>
                 <a:gridCol w="4077266">
                   <a:extLst>
                     <a:ext uri="{9D8B030D-6E8A-4147-A177-3AD203B41FA5}">
-                      <a16:colId xmlns:a16="http://schemas.microsoft.com/office/drawing/2014/main" xmlns="" val="610373499"/>
+                      <a16:colId xmlns="" xmlns:a16="http://schemas.microsoft.com/office/drawing/2014/main" val="610373499"/>
                     </a:ext>
                   </a:extLst>
                 </a:gridCol>
@@ -10358,7 +10355,7 @@
                 </a:tc>
                 <a:extLst>
                   <a:ext uri="{0D108BD9-81ED-4DB2-BD59-A6C34878D82A}">
-                    <a16:rowId xmlns:a16="http://schemas.microsoft.com/office/drawing/2014/main" xmlns="" val="10000"/>
+                    <a16:rowId xmlns="" xmlns:a16="http://schemas.microsoft.com/office/drawing/2014/main" val="10000"/>
                   </a:ext>
                 </a:extLst>
               </a:tr>
@@ -10605,7 +10602,7 @@
                 </a:tc>
                 <a:extLst>
                   <a:ext uri="{0D108BD9-81ED-4DB2-BD59-A6C34878D82A}">
-                    <a16:rowId xmlns:a16="http://schemas.microsoft.com/office/drawing/2014/main" xmlns="" val="10001"/>
+                    <a16:rowId xmlns="" xmlns:a16="http://schemas.microsoft.com/office/drawing/2014/main" val="10001"/>
                   </a:ext>
                 </a:extLst>
               </a:tr>
@@ -10864,7 +10861,7 @@
                 </a:tc>
                 <a:extLst>
                   <a:ext uri="{0D108BD9-81ED-4DB2-BD59-A6C34878D82A}">
-                    <a16:rowId xmlns:a16="http://schemas.microsoft.com/office/drawing/2014/main" xmlns="" val="10002"/>
+                    <a16:rowId xmlns="" xmlns:a16="http://schemas.microsoft.com/office/drawing/2014/main" val="10002"/>
                   </a:ext>
                 </a:extLst>
               </a:tr>
@@ -11123,7 +11120,7 @@
                 </a:tc>
                 <a:extLst>
                   <a:ext uri="{0D108BD9-81ED-4DB2-BD59-A6C34878D82A}">
-                    <a16:rowId xmlns:a16="http://schemas.microsoft.com/office/drawing/2014/main" xmlns="" val="10003"/>
+                    <a16:rowId xmlns="" xmlns:a16="http://schemas.microsoft.com/office/drawing/2014/main" val="10003"/>
                   </a:ext>
                 </a:extLst>
               </a:tr>
@@ -11382,7 +11379,7 @@
                 </a:tc>
                 <a:extLst>
                   <a:ext uri="{0D108BD9-81ED-4DB2-BD59-A6C34878D82A}">
-                    <a16:rowId xmlns:a16="http://schemas.microsoft.com/office/drawing/2014/main" xmlns="" val="10004"/>
+                    <a16:rowId xmlns="" xmlns:a16="http://schemas.microsoft.com/office/drawing/2014/main" val="10004"/>
                   </a:ext>
                 </a:extLst>
               </a:tr>
@@ -11641,7 +11638,7 @@
                 </a:tc>
                 <a:extLst>
                   <a:ext uri="{0D108BD9-81ED-4DB2-BD59-A6C34878D82A}">
-                    <a16:rowId xmlns:a16="http://schemas.microsoft.com/office/drawing/2014/main" xmlns="" val="2987373226"/>
+                    <a16:rowId xmlns="" xmlns:a16="http://schemas.microsoft.com/office/drawing/2014/main" val="2987373226"/>
                   </a:ext>
                 </a:extLst>
               </a:tr>
@@ -11900,7 +11897,7 @@
                 </a:tc>
                 <a:extLst>
                   <a:ext uri="{0D108BD9-81ED-4DB2-BD59-A6C34878D82A}">
-                    <a16:rowId xmlns:a16="http://schemas.microsoft.com/office/drawing/2014/main" xmlns="" val="2639051246"/>
+                    <a16:rowId xmlns="" xmlns:a16="http://schemas.microsoft.com/office/drawing/2014/main" val="2639051246"/>
                   </a:ext>
                 </a:extLst>
               </a:tr>
@@ -12159,7 +12156,7 @@
                 </a:tc>
                 <a:extLst>
                   <a:ext uri="{0D108BD9-81ED-4DB2-BD59-A6C34878D82A}">
-                    <a16:rowId xmlns:a16="http://schemas.microsoft.com/office/drawing/2014/main" xmlns="" val="1177553746"/>
+                    <a16:rowId xmlns="" xmlns:a16="http://schemas.microsoft.com/office/drawing/2014/main" val="1177553746"/>
                   </a:ext>
                 </a:extLst>
               </a:tr>
@@ -12412,7 +12409,7 @@
                 </a:tc>
                 <a:extLst>
                   <a:ext uri="{0D108BD9-81ED-4DB2-BD59-A6C34878D82A}">
-                    <a16:rowId xmlns:a16="http://schemas.microsoft.com/office/drawing/2014/main" xmlns="" val="4230401121"/>
+                    <a16:rowId xmlns="" xmlns:a16="http://schemas.microsoft.com/office/drawing/2014/main" val="4230401121"/>
                   </a:ext>
                 </a:extLst>
               </a:tr>
@@ -12706,7 +12703,7 @@
           <a:graphicData uri="http://schemas.openxmlformats.org/presentationml/2006/ole">
             <mc:AlternateContent xmlns:mc="http://schemas.openxmlformats.org/markup-compatibility/2006">
               <mc:Choice xmlns:v="urn:schemas-microsoft-com:vml" Requires="v">
-                <p:oleObj spid="_x0000_s42016" name="think-cell Slide" r:id="rId6" imgW="416" imgH="416" progId="TCLayout.ActiveDocument.1">
+                <p:oleObj spid="_x0000_s42035" name="think-cell Slide" r:id="rId6" imgW="416" imgH="416" progId="TCLayout.ActiveDocument.1">
                   <p:embed/>
                 </p:oleObj>
               </mc:Choice>
@@ -12750,7 +12747,7 @@
           <p:nvPr>
             <p:extLst>
               <p:ext uri="{D42A27DB-BD31-4B8C-83A1-F6EECF244321}">
-                <p14:modId xmlns:p14="http://schemas.microsoft.com/office/powerpoint/2010/main" val="314199438"/>
+                <p14:modId xmlns:p14="http://schemas.microsoft.com/office/powerpoint/2010/main" val="840222015"/>
               </p:ext>
             </p:extLst>
           </p:nvPr>
@@ -12769,42 +12766,42 @@
                 <a:gridCol w="1924933">
                   <a:extLst>
                     <a:ext uri="{9D8B030D-6E8A-4147-A177-3AD203B41FA5}">
-                      <a16:colId xmlns:a16="http://schemas.microsoft.com/office/drawing/2014/main" xmlns="" val="1357581311"/>
+                      <a16:colId xmlns="" xmlns:a16="http://schemas.microsoft.com/office/drawing/2014/main" val="1357581311"/>
                     </a:ext>
                   </a:extLst>
                 </a:gridCol>
                 <a:gridCol w="2706957">
                   <a:extLst>
                     <a:ext uri="{9D8B030D-6E8A-4147-A177-3AD203B41FA5}">
-                      <a16:colId xmlns:a16="http://schemas.microsoft.com/office/drawing/2014/main" xmlns="" val="1956442140"/>
+                      <a16:colId xmlns="" xmlns:a16="http://schemas.microsoft.com/office/drawing/2014/main" val="1956442140"/>
                     </a:ext>
                   </a:extLst>
                 </a:gridCol>
                 <a:gridCol w="1378384">
                   <a:extLst>
                     <a:ext uri="{9D8B030D-6E8A-4147-A177-3AD203B41FA5}">
-                      <a16:colId xmlns:a16="http://schemas.microsoft.com/office/drawing/2014/main" xmlns="" val="3122743454"/>
+                      <a16:colId xmlns="" xmlns:a16="http://schemas.microsoft.com/office/drawing/2014/main" val="3122743454"/>
                     </a:ext>
                   </a:extLst>
                 </a:gridCol>
                 <a:gridCol w="1030714">
                   <a:extLst>
                     <a:ext uri="{9D8B030D-6E8A-4147-A177-3AD203B41FA5}">
-                      <a16:colId xmlns:a16="http://schemas.microsoft.com/office/drawing/2014/main" xmlns="" val="755301095"/>
+                      <a16:colId xmlns="" xmlns:a16="http://schemas.microsoft.com/office/drawing/2014/main" val="755301095"/>
                     </a:ext>
                   </a:extLst>
                 </a:gridCol>
                 <a:gridCol w="2464037">
                   <a:extLst>
                     <a:ext uri="{9D8B030D-6E8A-4147-A177-3AD203B41FA5}">
-                      <a16:colId xmlns:a16="http://schemas.microsoft.com/office/drawing/2014/main" xmlns="" val="2056552446"/>
+                      <a16:colId xmlns="" xmlns:a16="http://schemas.microsoft.com/office/drawing/2014/main" val="2056552446"/>
                     </a:ext>
                   </a:extLst>
                 </a:gridCol>
                 <a:gridCol w="1574966">
                   <a:extLst>
                     <a:ext uri="{9D8B030D-6E8A-4147-A177-3AD203B41FA5}">
-                      <a16:colId xmlns:a16="http://schemas.microsoft.com/office/drawing/2014/main" xmlns="" val="1567976445"/>
+                      <a16:colId xmlns="" xmlns:a16="http://schemas.microsoft.com/office/drawing/2014/main" val="1567976445"/>
                     </a:ext>
                   </a:extLst>
                 </a:gridCol>
@@ -12949,7 +12946,7 @@
                 </a:tc>
                 <a:extLst>
                   <a:ext uri="{0D108BD9-81ED-4DB2-BD59-A6C34878D82A}">
-                    <a16:rowId xmlns:a16="http://schemas.microsoft.com/office/drawing/2014/main" xmlns="" val="3203583067"/>
+                    <a16:rowId xmlns="" xmlns:a16="http://schemas.microsoft.com/office/drawing/2014/main" val="3203583067"/>
                   </a:ext>
                 </a:extLst>
               </a:tr>
@@ -13114,18 +13111,15 @@
                         <a:tabLst/>
                         <a:defRPr/>
                       </a:pPr>
-                      <a:r>
-                        <a:rPr lang="en-US" sz="1200" b="0" kern="1200" dirty="0" smtClean="0">
-                          <a:solidFill>
-                            <a:schemeClr val="tx1"/>
-                          </a:solidFill>
-                          <a:latin typeface="+mn-lt"/>
-                          <a:ea typeface="+mn-ea"/>
-                          <a:cs typeface="+mn-ea"/>
-                          <a:sym typeface="+mn-lt"/>
-                        </a:rPr>
-                        <a:t>XXXXXX</a:t>
-                      </a:r>
+                      <a:endParaRPr lang="en-US" sz="1200" b="0" kern="1200" dirty="0" smtClean="0">
+                        <a:solidFill>
+                          <a:schemeClr val="tx1"/>
+                        </a:solidFill>
+                        <a:latin typeface="+mn-lt"/>
+                        <a:ea typeface="+mn-ea"/>
+                        <a:cs typeface="+mn-ea"/>
+                        <a:sym typeface="+mn-lt"/>
+                      </a:endParaRPr>
                     </a:p>
                   </a:txBody>
                   <a:tcPr marL="108522" marR="108522" marT="54261" marB="54261" anchor="ctr">
@@ -13285,7 +13279,7 @@
                 </a:tc>
                 <a:extLst>
                   <a:ext uri="{0D108BD9-81ED-4DB2-BD59-A6C34878D82A}">
-                    <a16:rowId xmlns:a16="http://schemas.microsoft.com/office/drawing/2014/main" xmlns="" val="851841494"/>
+                    <a16:rowId xmlns="" xmlns:a16="http://schemas.microsoft.com/office/drawing/2014/main" val="851841494"/>
                   </a:ext>
                 </a:extLst>
               </a:tr>
@@ -13410,18 +13404,6 @@
                     <a:lstStyle/>
                     <a:p>
                       <a:pPr marL="0" algn="l" defTabSz="685792" rtl="0" eaLnBrk="1" latinLnBrk="0" hangingPunct="1"/>
-                      <a:r>
-                        <a:rPr lang="en-US" sz="1200" b="0" kern="1200" dirty="0" smtClean="0">
-                          <a:solidFill>
-                            <a:schemeClr val="tx1"/>
-                          </a:solidFill>
-                          <a:latin typeface="+mn-lt"/>
-                          <a:ea typeface="+mn-ea"/>
-                          <a:cs typeface="+mn-ea"/>
-                          <a:sym typeface="+mn-lt"/>
-                        </a:rPr>
-                        <a:t>XX/XX/2021 – XX/XX/2021</a:t>
-                      </a:r>
                       <a:endParaRPr lang="en-US" sz="1200" b="0" kern="1200" dirty="0">
                         <a:solidFill>
                           <a:schemeClr val="tx1"/>
@@ -13823,7 +13805,7 @@
                 </a:tc>
                 <a:extLst>
                   <a:ext uri="{0D108BD9-81ED-4DB2-BD59-A6C34878D82A}">
-                    <a16:rowId xmlns:a16="http://schemas.microsoft.com/office/drawing/2014/main" xmlns="" val="1437797630"/>
+                    <a16:rowId xmlns="" xmlns:a16="http://schemas.microsoft.com/office/drawing/2014/main" val="1437797630"/>
                   </a:ext>
                 </a:extLst>
               </a:tr>
@@ -14094,18 +14076,6 @@
                     <a:bodyPr/>
                     <a:lstStyle/>
                     <a:p>
-                      <a:r>
-                        <a:rPr lang="en-US" sz="1200" b="0" kern="1200" dirty="0" smtClean="0">
-                          <a:solidFill>
-                            <a:schemeClr val="tx1"/>
-                          </a:solidFill>
-                          <a:latin typeface="+mn-lt"/>
-                          <a:ea typeface="+mn-ea"/>
-                          <a:cs typeface="+mn-ea"/>
-                          <a:sym typeface="+mn-lt"/>
-                        </a:rPr>
-                        <a:t>xx</a:t>
-                      </a:r>
                       <a:endParaRPr lang="en-US" sz="1200" b="0" kern="1200" dirty="0">
                         <a:solidFill>
                           <a:schemeClr val="tx1"/>
@@ -14436,18 +14406,6 @@
                     <a:lstStyle/>
                     <a:p>
                       <a:pPr marL="0" algn="l" defTabSz="685792" rtl="0" eaLnBrk="1" latinLnBrk="0" hangingPunct="1"/>
-                      <a:r>
-                        <a:rPr lang="en-US" sz="1200" b="0" kern="1200" dirty="0" smtClean="0">
-                          <a:solidFill>
-                            <a:schemeClr val="tx1"/>
-                          </a:solidFill>
-                          <a:latin typeface="+mn-lt"/>
-                          <a:ea typeface="+mn-ea"/>
-                          <a:cs typeface="+mn-ea"/>
-                          <a:sym typeface="+mn-lt"/>
-                        </a:rPr>
-                        <a:t>XX</a:t>
-                      </a:r>
                       <a:endParaRPr lang="en-US" sz="1200" b="0" kern="1200" dirty="0">
                         <a:solidFill>
                           <a:schemeClr val="tx1"/>
@@ -14499,7 +14457,7 @@
                 </a:tc>
                 <a:extLst>
                   <a:ext uri="{0D108BD9-81ED-4DB2-BD59-A6C34878D82A}">
-                    <a16:rowId xmlns:a16="http://schemas.microsoft.com/office/drawing/2014/main" xmlns="" val="406495537"/>
+                    <a16:rowId xmlns="" xmlns:a16="http://schemas.microsoft.com/office/drawing/2014/main" val="406495537"/>
                   </a:ext>
                 </a:extLst>
               </a:tr>
@@ -14688,18 +14646,6 @@
                     <a:bodyPr/>
                     <a:lstStyle/>
                     <a:p>
-                      <a:r>
-                        <a:rPr lang="en-US" sz="1200" b="0" dirty="0" smtClean="0">
-                          <a:solidFill>
-                            <a:schemeClr val="tx1"/>
-                          </a:solidFill>
-                          <a:latin typeface="+mn-lt"/>
-                          <a:ea typeface="+mn-ea"/>
-                          <a:cs typeface="+mn-ea"/>
-                          <a:sym typeface="+mn-lt"/>
-                        </a:rPr>
-                        <a:t>xx</a:t>
-                      </a:r>
                       <a:endParaRPr lang="en-US" sz="1200" b="0" dirty="0">
                         <a:solidFill>
                           <a:schemeClr val="tx1"/>
@@ -14856,18 +14802,6 @@
                     <a:lstStyle/>
                     <a:p>
                       <a:pPr marL="0" algn="l" defTabSz="685792" rtl="0" eaLnBrk="1" latinLnBrk="0" hangingPunct="1"/>
-                      <a:r>
-                        <a:rPr lang="en-US" sz="1200" b="0" kern="1200" dirty="0" smtClean="0">
-                          <a:solidFill>
-                            <a:schemeClr val="tx1"/>
-                          </a:solidFill>
-                          <a:latin typeface="+mn-lt"/>
-                          <a:ea typeface="+mn-ea"/>
-                          <a:cs typeface="+mn-ea"/>
-                          <a:sym typeface="+mn-lt"/>
-                        </a:rPr>
-                        <a:t>XX</a:t>
-                      </a:r>
                       <a:endParaRPr lang="en-US" sz="1200" b="0" kern="1200" dirty="0">
                         <a:solidFill>
                           <a:schemeClr val="tx1"/>
@@ -14913,7 +14847,7 @@
                 </a:tc>
                 <a:extLst>
                   <a:ext uri="{0D108BD9-81ED-4DB2-BD59-A6C34878D82A}">
-                    <a16:rowId xmlns:a16="http://schemas.microsoft.com/office/drawing/2014/main" xmlns="" val="2200042587"/>
+                    <a16:rowId xmlns="" xmlns:a16="http://schemas.microsoft.com/office/drawing/2014/main" val="2200042587"/>
                   </a:ext>
                 </a:extLst>
               </a:tr>
@@ -15105,18 +15039,15 @@
                         <a:tabLst/>
                         <a:defRPr/>
                       </a:pPr>
-                      <a:r>
-                        <a:rPr lang="en-US" altLang="zh-CN" sz="1200" b="0" kern="1200" dirty="0" smtClean="0">
-                          <a:solidFill>
-                            <a:schemeClr val="tx1"/>
-                          </a:solidFill>
-                          <a:latin typeface="+mn-lt"/>
-                          <a:ea typeface="+mn-ea"/>
-                          <a:cs typeface="+mn-ea"/>
-                          <a:sym typeface="+mn-lt"/>
-                        </a:rPr>
-                        <a:t>RMB X,XXX</a:t>
-                      </a:r>
+                      <a:endParaRPr lang="en-US" altLang="zh-CN" sz="1200" b="0" kern="1200" dirty="0" smtClean="0">
+                        <a:solidFill>
+                          <a:schemeClr val="tx1"/>
+                        </a:solidFill>
+                        <a:latin typeface="+mn-lt"/>
+                        <a:ea typeface="+mn-ea"/>
+                        <a:cs typeface="+mn-ea"/>
+                        <a:sym typeface="+mn-lt"/>
+                      </a:endParaRPr>
                     </a:p>
                   </a:txBody>
                   <a:tcPr marL="108522" marR="108522" marT="54261" marB="54261" anchor="ctr">
@@ -15192,7 +15123,7 @@
                 </a:tc>
                 <a:extLst>
                   <a:ext uri="{0D108BD9-81ED-4DB2-BD59-A6C34878D82A}">
-                    <a16:rowId xmlns:a16="http://schemas.microsoft.com/office/drawing/2014/main" xmlns="" val="4069117920"/>
+                    <a16:rowId xmlns="" xmlns:a16="http://schemas.microsoft.com/office/drawing/2014/main" val="4069117920"/>
                   </a:ext>
                 </a:extLst>
               </a:tr>
@@ -15385,18 +15316,6 @@
                         <a:tabLst/>
                         <a:defRPr/>
                       </a:pPr>
-                      <a:r>
-                        <a:rPr lang="en-US" sz="1200" b="0" kern="1200" dirty="0" smtClean="0">
-                          <a:solidFill>
-                            <a:schemeClr val="tx1"/>
-                          </a:solidFill>
-                          <a:latin typeface="+mn-lt"/>
-                          <a:ea typeface="+mn-ea"/>
-                          <a:cs typeface="+mn-ea"/>
-                          <a:sym typeface="+mn-lt"/>
-                        </a:rPr>
-                        <a:t>xx</a:t>
-                      </a:r>
                       <a:endParaRPr lang="en-US" sz="1200" b="0" kern="1200" dirty="0">
                         <a:solidFill>
                           <a:schemeClr val="tx1"/>
@@ -15557,18 +15476,6 @@
                     <a:lstStyle/>
                     <a:p>
                       <a:pPr marL="0" algn="l" defTabSz="685792" rtl="0" eaLnBrk="1" latinLnBrk="0" hangingPunct="1"/>
-                      <a:r>
-                        <a:rPr lang="en-US" sz="1200" b="0" kern="1200" dirty="0" smtClean="0">
-                          <a:solidFill>
-                            <a:schemeClr val="tx1"/>
-                          </a:solidFill>
-                          <a:latin typeface="+mn-lt"/>
-                          <a:ea typeface="+mn-ea"/>
-                          <a:cs typeface="+mn-ea"/>
-                          <a:sym typeface="+mn-lt"/>
-                        </a:rPr>
-                        <a:t>XX</a:t>
-                      </a:r>
                       <a:endParaRPr lang="en-US" sz="1200" b="0" kern="1200" dirty="0">
                         <a:solidFill>
                           <a:schemeClr val="tx1"/>
@@ -15620,7 +15527,7 @@
                 </a:tc>
                 <a:extLst>
                   <a:ext uri="{0D108BD9-81ED-4DB2-BD59-A6C34878D82A}">
-                    <a16:rowId xmlns:a16="http://schemas.microsoft.com/office/drawing/2014/main" xmlns="" val="2348740028"/>
+                    <a16:rowId xmlns="" xmlns:a16="http://schemas.microsoft.com/office/drawing/2014/main" val="2348740028"/>
                   </a:ext>
                 </a:extLst>
               </a:tr>
@@ -15759,35 +15666,35 @@
                 <a:gridCol w="2454326">
                   <a:extLst>
                     <a:ext uri="{9D8B030D-6E8A-4147-A177-3AD203B41FA5}">
-                      <a16:colId xmlns:a16="http://schemas.microsoft.com/office/drawing/2014/main" xmlns="" val="20000"/>
+                      <a16:colId xmlns="" xmlns:a16="http://schemas.microsoft.com/office/drawing/2014/main" val="20000"/>
                     </a:ext>
                   </a:extLst>
                 </a:gridCol>
                 <a:gridCol w="2306453">
                   <a:extLst>
                     <a:ext uri="{9D8B030D-6E8A-4147-A177-3AD203B41FA5}">
-                      <a16:colId xmlns:a16="http://schemas.microsoft.com/office/drawing/2014/main" xmlns="" val="20002"/>
+                      <a16:colId xmlns="" xmlns:a16="http://schemas.microsoft.com/office/drawing/2014/main" val="20002"/>
                     </a:ext>
                   </a:extLst>
                 </a:gridCol>
                 <a:gridCol w="2254336">
                   <a:extLst>
                     <a:ext uri="{9D8B030D-6E8A-4147-A177-3AD203B41FA5}">
-                      <a16:colId xmlns:a16="http://schemas.microsoft.com/office/drawing/2014/main" xmlns="" val="2575180168"/>
+                      <a16:colId xmlns="" xmlns:a16="http://schemas.microsoft.com/office/drawing/2014/main" val="2575180168"/>
                     </a:ext>
                   </a:extLst>
                 </a:gridCol>
                 <a:gridCol w="2355667">
                   <a:extLst>
                     <a:ext uri="{9D8B030D-6E8A-4147-A177-3AD203B41FA5}">
-                      <a16:colId xmlns:a16="http://schemas.microsoft.com/office/drawing/2014/main" xmlns="" val="20003"/>
+                      <a16:colId xmlns="" xmlns:a16="http://schemas.microsoft.com/office/drawing/2014/main" val="20003"/>
                     </a:ext>
                   </a:extLst>
                 </a:gridCol>
                 <a:gridCol w="1661586">
                   <a:extLst>
                     <a:ext uri="{9D8B030D-6E8A-4147-A177-3AD203B41FA5}">
-                      <a16:colId xmlns:a16="http://schemas.microsoft.com/office/drawing/2014/main" xmlns="" val="1141158204"/>
+                      <a16:colId xmlns="" xmlns:a16="http://schemas.microsoft.com/office/drawing/2014/main" val="1141158204"/>
                     </a:ext>
                   </a:extLst>
                 </a:gridCol>
@@ -16471,7 +16378,7 @@
                 </a:tc>
                 <a:extLst>
                   <a:ext uri="{0D108BD9-81ED-4DB2-BD59-A6C34878D82A}">
-                    <a16:rowId xmlns:a16="http://schemas.microsoft.com/office/drawing/2014/main" xmlns="" val="10000"/>
+                    <a16:rowId xmlns="" xmlns:a16="http://schemas.microsoft.com/office/drawing/2014/main" val="10000"/>
                   </a:ext>
                 </a:extLst>
               </a:tr>
@@ -16859,7 +16766,7 @@
                 </a:tc>
                 <a:extLst>
                   <a:ext uri="{0D108BD9-81ED-4DB2-BD59-A6C34878D82A}">
-                    <a16:rowId xmlns:a16="http://schemas.microsoft.com/office/drawing/2014/main" xmlns="" val="3242880312"/>
+                    <a16:rowId xmlns="" xmlns:a16="http://schemas.microsoft.com/office/drawing/2014/main" val="3242880312"/>
                   </a:ext>
                 </a:extLst>
               </a:tr>
@@ -17224,7 +17131,7 @@
           <p:nvPr>
             <p:extLst>
               <p:ext uri="{D42A27DB-BD31-4B8C-83A1-F6EECF244321}">
-                <p14:modId xmlns:p14="http://schemas.microsoft.com/office/powerpoint/2010/main" val="1601136957"/>
+                <p14:modId xmlns:p14="http://schemas.microsoft.com/office/powerpoint/2010/main" val="2361389655"/>
               </p:ext>
             </p:extLst>
           </p:nvPr>
@@ -17243,63 +17150,63 @@
                 <a:gridCol w="854780">
                   <a:extLst>
                     <a:ext uri="{9D8B030D-6E8A-4147-A177-3AD203B41FA5}">
-                      <a16:colId xmlns:a16="http://schemas.microsoft.com/office/drawing/2014/main" xmlns="" val="2715221625"/>
+                      <a16:colId xmlns="" xmlns:a16="http://schemas.microsoft.com/office/drawing/2014/main" val="2715221625"/>
                     </a:ext>
                   </a:extLst>
                 </a:gridCol>
                 <a:gridCol w="854780">
                   <a:extLst>
                     <a:ext uri="{9D8B030D-6E8A-4147-A177-3AD203B41FA5}">
-                      <a16:colId xmlns:a16="http://schemas.microsoft.com/office/drawing/2014/main" xmlns="" val="1722467380"/>
+                      <a16:colId xmlns="" xmlns:a16="http://schemas.microsoft.com/office/drawing/2014/main" val="1722467380"/>
                     </a:ext>
                   </a:extLst>
                 </a:gridCol>
                 <a:gridCol w="1158769">
                   <a:extLst>
                     <a:ext uri="{9D8B030D-6E8A-4147-A177-3AD203B41FA5}">
-                      <a16:colId xmlns:a16="http://schemas.microsoft.com/office/drawing/2014/main" xmlns="" val="8733085"/>
+                      <a16:colId xmlns="" xmlns:a16="http://schemas.microsoft.com/office/drawing/2014/main" val="8733085"/>
                     </a:ext>
                   </a:extLst>
                 </a:gridCol>
                 <a:gridCol w="899883">
                   <a:extLst>
                     <a:ext uri="{9D8B030D-6E8A-4147-A177-3AD203B41FA5}">
-                      <a16:colId xmlns:a16="http://schemas.microsoft.com/office/drawing/2014/main" xmlns="" val="2034639721"/>
+                      <a16:colId xmlns="" xmlns:a16="http://schemas.microsoft.com/office/drawing/2014/main" val="2034639721"/>
                     </a:ext>
                   </a:extLst>
                 </a:gridCol>
                 <a:gridCol w="1968445">
                   <a:extLst>
                     <a:ext uri="{9D8B030D-6E8A-4147-A177-3AD203B41FA5}">
-                      <a16:colId xmlns:a16="http://schemas.microsoft.com/office/drawing/2014/main" xmlns="" val="984284813"/>
+                      <a16:colId xmlns="" xmlns:a16="http://schemas.microsoft.com/office/drawing/2014/main" val="984284813"/>
                     </a:ext>
                   </a:extLst>
                 </a:gridCol>
                 <a:gridCol w="1634194">
                   <a:extLst>
                     <a:ext uri="{9D8B030D-6E8A-4147-A177-3AD203B41FA5}">
-                      <a16:colId xmlns:a16="http://schemas.microsoft.com/office/drawing/2014/main" xmlns="" val="610353967"/>
+                      <a16:colId xmlns="" xmlns:a16="http://schemas.microsoft.com/office/drawing/2014/main" val="610353967"/>
                     </a:ext>
                   </a:extLst>
                 </a:gridCol>
                 <a:gridCol w="1234134">
                   <a:extLst>
                     <a:ext uri="{9D8B030D-6E8A-4147-A177-3AD203B41FA5}">
-                      <a16:colId xmlns:a16="http://schemas.microsoft.com/office/drawing/2014/main" xmlns="" val="2199988680"/>
+                      <a16:colId xmlns="" xmlns:a16="http://schemas.microsoft.com/office/drawing/2014/main" val="2199988680"/>
                     </a:ext>
                   </a:extLst>
                 </a:gridCol>
                 <a:gridCol w="942636">
                   <a:extLst>
                     <a:ext uri="{9D8B030D-6E8A-4147-A177-3AD203B41FA5}">
-                      <a16:colId xmlns:a16="http://schemas.microsoft.com/office/drawing/2014/main" xmlns="" val="1060807198"/>
+                      <a16:colId xmlns="" xmlns:a16="http://schemas.microsoft.com/office/drawing/2014/main" val="1060807198"/>
                     </a:ext>
                   </a:extLst>
                 </a:gridCol>
                 <a:gridCol w="1925692">
                   <a:extLst>
                     <a:ext uri="{9D8B030D-6E8A-4147-A177-3AD203B41FA5}">
-                      <a16:colId xmlns:a16="http://schemas.microsoft.com/office/drawing/2014/main" xmlns="" val="3687281855"/>
+                      <a16:colId xmlns="" xmlns:a16="http://schemas.microsoft.com/office/drawing/2014/main" val="3687281855"/>
                     </a:ext>
                   </a:extLst>
                 </a:gridCol>
@@ -17430,7 +17337,7 @@
                 </a:tc>
                 <a:extLst>
                   <a:ext uri="{0D108BD9-81ED-4DB2-BD59-A6C34878D82A}">
-                    <a16:rowId xmlns:a16="http://schemas.microsoft.com/office/drawing/2014/main" xmlns="" val="132260445"/>
+                    <a16:rowId xmlns="" xmlns:a16="http://schemas.microsoft.com/office/drawing/2014/main" val="132260445"/>
                   </a:ext>
                 </a:extLst>
               </a:tr>
@@ -17499,18 +17406,15 @@
                         <a:buFontTx/>
                         <a:buNone/>
                       </a:pPr>
-                      <a:r>
-                        <a:rPr lang="en-US" altLang="zh-CN" sz="1200" b="0" dirty="0" smtClean="0">
-                          <a:solidFill>
-                            <a:schemeClr val="tx1"/>
-                          </a:solidFill>
-                          <a:latin typeface="+mn-lt"/>
-                          <a:ea typeface="+mn-ea"/>
-                          <a:cs typeface="+mn-ea"/>
-                          <a:sym typeface="+mn-lt"/>
-                        </a:rPr>
-                        <a:t>RMB XX,XXX</a:t>
-                      </a:r>
+                      <a:endParaRPr lang="en-US" altLang="zh-CN" sz="1200" b="0" dirty="0" smtClean="0">
+                        <a:solidFill>
+                          <a:schemeClr val="tx1"/>
+                        </a:solidFill>
+                        <a:latin typeface="+mn-lt"/>
+                        <a:ea typeface="+mn-ea"/>
+                        <a:cs typeface="+mn-ea"/>
+                        <a:sym typeface="+mn-lt"/>
+                      </a:endParaRPr>
                     </a:p>
                   </a:txBody>
                   <a:tcPr anchor="ctr">
@@ -17583,7 +17487,7 @@
                 </a:tc>
                 <a:extLst>
                   <a:ext uri="{0D108BD9-81ED-4DB2-BD59-A6C34878D82A}">
-                    <a16:rowId xmlns:a16="http://schemas.microsoft.com/office/drawing/2014/main" xmlns="" val="1454925855"/>
+                    <a16:rowId xmlns="" xmlns:a16="http://schemas.microsoft.com/office/drawing/2014/main" val="1454925855"/>
                   </a:ext>
                 </a:extLst>
               </a:tr>
@@ -17648,15 +17552,12 @@
                     <a:bodyPr/>
                     <a:lstStyle/>
                     <a:p>
-                      <a:r>
-                        <a:rPr lang="en-US" sz="1200" dirty="0" smtClean="0">
-                          <a:latin typeface="+mn-lt"/>
-                          <a:ea typeface="+mn-ea"/>
-                          <a:cs typeface="+mn-ea"/>
-                          <a:sym typeface="+mn-lt"/>
-                        </a:rPr>
-                        <a:t>RMB XX,XXX</a:t>
-                      </a:r>
+                      <a:endParaRPr lang="en-US" sz="1200" dirty="0" smtClean="0">
+                        <a:latin typeface="+mn-lt"/>
+                        <a:ea typeface="+mn-ea"/>
+                        <a:cs typeface="+mn-ea"/>
+                        <a:sym typeface="+mn-lt"/>
+                      </a:endParaRPr>
                     </a:p>
                   </a:txBody>
                   <a:tcPr anchor="ctr">
@@ -17729,7 +17630,7 @@
                 </a:tc>
                 <a:extLst>
                   <a:ext uri="{0D108BD9-81ED-4DB2-BD59-A6C34878D82A}">
-                    <a16:rowId xmlns:a16="http://schemas.microsoft.com/office/drawing/2014/main" xmlns="" val="1815440894"/>
+                    <a16:rowId xmlns="" xmlns:a16="http://schemas.microsoft.com/office/drawing/2014/main" val="1815440894"/>
                   </a:ext>
                 </a:extLst>
               </a:tr>
@@ -17851,7 +17752,7 @@
                 </a:tc>
                 <a:extLst>
                   <a:ext uri="{0D108BD9-81ED-4DB2-BD59-A6C34878D82A}">
-                    <a16:rowId xmlns:a16="http://schemas.microsoft.com/office/drawing/2014/main" xmlns="" val="344899817"/>
+                    <a16:rowId xmlns="" xmlns:a16="http://schemas.microsoft.com/office/drawing/2014/main" val="344899817"/>
                   </a:ext>
                 </a:extLst>
               </a:tr>
@@ -18002,7 +17903,7 @@
                 </a:tc>
                 <a:extLst>
                   <a:ext uri="{0D108BD9-81ED-4DB2-BD59-A6C34878D82A}">
-                    <a16:rowId xmlns:a16="http://schemas.microsoft.com/office/drawing/2014/main" xmlns="" val="1268840849"/>
+                    <a16:rowId xmlns="" xmlns:a16="http://schemas.microsoft.com/office/drawing/2014/main" val="1268840849"/>
                   </a:ext>
                 </a:extLst>
               </a:tr>
@@ -18440,7 +18341,7 @@
                 </a:tc>
                 <a:extLst>
                   <a:ext uri="{0D108BD9-81ED-4DB2-BD59-A6C34878D82A}">
-                    <a16:rowId xmlns:a16="http://schemas.microsoft.com/office/drawing/2014/main" xmlns="" val="3241501689"/>
+                    <a16:rowId xmlns="" xmlns:a16="http://schemas.microsoft.com/office/drawing/2014/main" val="3241501689"/>
                   </a:ext>
                 </a:extLst>
               </a:tr>
@@ -18524,18 +18425,15 @@
                         <a:buFontTx/>
                         <a:buNone/>
                       </a:pPr>
-                      <a:r>
-                        <a:rPr lang="en-US" altLang="zh-CN" sz="1200" b="0" dirty="0" smtClean="0">
-                          <a:solidFill>
-                            <a:schemeClr val="tx1"/>
-                          </a:solidFill>
-                          <a:latin typeface="+mn-lt"/>
-                          <a:ea typeface="+mn-ea"/>
-                          <a:cs typeface="+mn-ea"/>
-                          <a:sym typeface="+mn-lt"/>
-                        </a:rPr>
-                        <a:t>RMB XX,XXX</a:t>
-                      </a:r>
+                      <a:endParaRPr lang="en-US" altLang="zh-CN" sz="1200" b="0" dirty="0" smtClean="0">
+                        <a:solidFill>
+                          <a:schemeClr val="tx1"/>
+                        </a:solidFill>
+                        <a:latin typeface="+mn-lt"/>
+                        <a:ea typeface="+mn-ea"/>
+                        <a:cs typeface="+mn-ea"/>
+                        <a:sym typeface="+mn-lt"/>
+                      </a:endParaRPr>
                     </a:p>
                   </a:txBody>
                   <a:tcPr anchor="ctr">
@@ -18553,42 +18451,6 @@
                         <a:buFontTx/>
                         <a:buNone/>
                       </a:pPr>
-                      <a:r>
-                        <a:rPr lang="zh-CN" altLang="en-US" sz="1200" b="0" dirty="0" smtClean="0">
-                          <a:solidFill>
-                            <a:schemeClr val="tx1"/>
-                          </a:solidFill>
-                          <a:latin typeface="+mn-lt"/>
-                          <a:ea typeface="+mn-ea"/>
-                          <a:cs typeface="+mn-ea"/>
-                          <a:sym typeface="+mn-lt"/>
-                        </a:rPr>
-                        <a:t>是</a:t>
-                      </a:r>
-                      <a:r>
-                        <a:rPr lang="en-US" altLang="zh-CN" sz="1200" b="0" dirty="0" smtClean="0">
-                          <a:solidFill>
-                            <a:schemeClr val="tx1"/>
-                          </a:solidFill>
-                          <a:latin typeface="+mn-lt"/>
-                          <a:ea typeface="+mn-ea"/>
-                          <a:cs typeface="+mn-ea"/>
-                          <a:sym typeface="+mn-lt"/>
-                        </a:rPr>
-                        <a:t>/</a:t>
-                      </a:r>
-                      <a:r>
-                        <a:rPr lang="zh-CN" altLang="en-US" sz="1200" b="0" dirty="0" smtClean="0">
-                          <a:solidFill>
-                            <a:schemeClr val="tx1"/>
-                          </a:solidFill>
-                          <a:latin typeface="+mn-lt"/>
-                          <a:ea typeface="+mn-ea"/>
-                          <a:cs typeface="+mn-ea"/>
-                          <a:sym typeface="+mn-lt"/>
-                        </a:rPr>
-                        <a:t>否</a:t>
-                      </a:r>
                       <a:endParaRPr lang="en-US" altLang="zh-CN" sz="1200" b="0" dirty="0" smtClean="0">
                         <a:solidFill>
                           <a:schemeClr val="tx1"/>
@@ -18615,188 +18477,17 @@
                         <a:buFontTx/>
                         <a:buNone/>
                       </a:pPr>
-                      <a:r>
-                        <a:rPr lang="zh-CN" altLang="en-US" sz="1000" b="0" dirty="0" smtClean="0">
-                          <a:solidFill>
-                            <a:schemeClr val="accent1">
-                              <a:lumMod val="75000"/>
-                            </a:schemeClr>
-                          </a:solidFill>
-                          <a:latin typeface="+mn-lt"/>
-                          <a:ea typeface="+mn-ea"/>
-                          <a:cs typeface="+mn-ea"/>
-                          <a:sym typeface="+mn-lt"/>
-                        </a:rPr>
-                        <a:t>场地用途</a:t>
-                      </a:r>
-                      <a:r>
-                        <a:rPr lang="en-US" altLang="zh-CN" sz="1000" b="0" dirty="0" smtClean="0">
-                          <a:solidFill>
-                            <a:schemeClr val="accent1">
-                              <a:lumMod val="75000"/>
-                            </a:schemeClr>
-                          </a:solidFill>
-                          <a:latin typeface="+mn-lt"/>
-                          <a:ea typeface="+mn-ea"/>
-                          <a:cs typeface="+mn-ea"/>
-                          <a:sym typeface="+mn-lt"/>
-                        </a:rPr>
-                        <a:t>(</a:t>
-                      </a:r>
-                      <a:r>
-                        <a:rPr lang="zh-CN" altLang="en-US" sz="1000" b="0" dirty="0" smtClean="0">
-                          <a:solidFill>
-                            <a:schemeClr val="accent1">
-                              <a:lumMod val="75000"/>
-                            </a:schemeClr>
-                          </a:solidFill>
-                          <a:latin typeface="+mn-lt"/>
-                          <a:ea typeface="+mn-ea"/>
-                          <a:cs typeface="+mn-ea"/>
-                          <a:sym typeface="+mn-lt"/>
-                        </a:rPr>
-                        <a:t>车展</a:t>
-                      </a:r>
-                      <a:r>
-                        <a:rPr lang="en-US" altLang="zh-CN" sz="1000" b="0" dirty="0" smtClean="0">
-                          <a:solidFill>
-                            <a:schemeClr val="accent1">
-                              <a:lumMod val="75000"/>
-                            </a:schemeClr>
-                          </a:solidFill>
-                          <a:latin typeface="+mn-lt"/>
-                          <a:ea typeface="+mn-ea"/>
-                          <a:cs typeface="+mn-ea"/>
-                          <a:sym typeface="+mn-lt"/>
-                        </a:rPr>
-                        <a:t>/</a:t>
-                      </a:r>
-                      <a:r>
-                        <a:rPr lang="zh-CN" altLang="en-US" sz="1000" b="0" dirty="0" smtClean="0">
-                          <a:solidFill>
-                            <a:schemeClr val="accent1">
-                              <a:lumMod val="75000"/>
-                            </a:schemeClr>
-                          </a:solidFill>
-                          <a:latin typeface="+mn-lt"/>
-                          <a:ea typeface="+mn-ea"/>
-                          <a:cs typeface="+mn-ea"/>
-                          <a:sym typeface="+mn-lt"/>
-                        </a:rPr>
-                        <a:t>静展</a:t>
-                      </a:r>
-                      <a:r>
-                        <a:rPr lang="en-US" altLang="zh-CN" sz="1000" b="0" dirty="0" smtClean="0">
-                          <a:solidFill>
-                            <a:schemeClr val="accent1">
-                              <a:lumMod val="75000"/>
-                            </a:schemeClr>
-                          </a:solidFill>
-                          <a:latin typeface="+mn-lt"/>
-                          <a:ea typeface="+mn-ea"/>
-                          <a:cs typeface="+mn-ea"/>
-                          <a:sym typeface="+mn-lt"/>
-                        </a:rPr>
-                        <a:t>/</a:t>
-                      </a:r>
-                      <a:r>
-                        <a:rPr lang="zh-CN" altLang="en-US" sz="1000" b="0" dirty="0" smtClean="0">
-                          <a:solidFill>
-                            <a:schemeClr val="accent1">
-                              <a:lumMod val="75000"/>
-                            </a:schemeClr>
-                          </a:solidFill>
-                          <a:latin typeface="+mn-lt"/>
-                          <a:ea typeface="+mn-ea"/>
-                          <a:cs typeface="+mn-ea"/>
-                          <a:sym typeface="+mn-lt"/>
-                        </a:rPr>
-                        <a:t>试驾等</a:t>
-                      </a:r>
-                      <a:r>
-                        <a:rPr lang="en-US" altLang="zh-CN" sz="1000" b="0" dirty="0" smtClean="0">
-                          <a:solidFill>
-                            <a:schemeClr val="accent1">
-                              <a:lumMod val="75000"/>
-                            </a:schemeClr>
-                          </a:solidFill>
-                          <a:latin typeface="+mn-lt"/>
-                          <a:ea typeface="+mn-ea"/>
-                          <a:cs typeface="+mn-ea"/>
-                          <a:sym typeface="+mn-lt"/>
-                        </a:rPr>
-                        <a:t>)/</a:t>
-                      </a:r>
-                      <a:r>
-                        <a:rPr lang="zh-CN" altLang="en-US" sz="1000" b="0" dirty="0" smtClean="0">
-                          <a:solidFill>
-                            <a:schemeClr val="accent1">
-                              <a:lumMod val="75000"/>
-                            </a:schemeClr>
-                          </a:solidFill>
-                          <a:latin typeface="+mn-lt"/>
-                          <a:ea typeface="+mn-ea"/>
-                          <a:cs typeface="+mn-ea"/>
-                          <a:sym typeface="+mn-lt"/>
-                        </a:rPr>
-                        <a:t>使用天数</a:t>
-                      </a:r>
-                      <a:r>
-                        <a:rPr lang="en-US" altLang="zh-CN" sz="1000" b="0" dirty="0" smtClean="0">
-                          <a:solidFill>
-                            <a:schemeClr val="accent1">
-                              <a:lumMod val="75000"/>
-                            </a:schemeClr>
-                          </a:solidFill>
-                          <a:latin typeface="+mn-lt"/>
-                          <a:ea typeface="+mn-ea"/>
-                          <a:cs typeface="+mn-ea"/>
-                          <a:sym typeface="+mn-lt"/>
-                        </a:rPr>
-                        <a:t>/</a:t>
-                      </a:r>
-                      <a:r>
-                        <a:rPr lang="zh-CN" altLang="en-US" sz="1000" b="0" dirty="0" smtClean="0">
-                          <a:solidFill>
-                            <a:schemeClr val="accent1">
-                              <a:lumMod val="75000"/>
-                            </a:schemeClr>
-                          </a:solidFill>
-                          <a:latin typeface="+mn-lt"/>
-                          <a:ea typeface="+mn-ea"/>
-                          <a:cs typeface="+mn-ea"/>
-                          <a:sym typeface="+mn-lt"/>
-                        </a:rPr>
-                        <a:t>每日费用</a:t>
-                      </a:r>
-                      <a:r>
-                        <a:rPr lang="en-US" altLang="zh-CN" sz="1000" b="0" dirty="0" smtClean="0">
-                          <a:solidFill>
-                            <a:schemeClr val="accent1">
-                              <a:lumMod val="75000"/>
-                            </a:schemeClr>
-                          </a:solidFill>
-                          <a:latin typeface="+mn-lt"/>
-                          <a:ea typeface="+mn-ea"/>
-                          <a:cs typeface="+mn-ea"/>
-                          <a:sym typeface="+mn-lt"/>
-                        </a:rPr>
-                        <a:t>/</a:t>
-                      </a:r>
-                      <a:r>
-                        <a:rPr lang="zh-CN" altLang="en-US" sz="1000" b="0" dirty="0" smtClean="0">
-                          <a:solidFill>
-                            <a:schemeClr val="accent1">
-                              <a:lumMod val="75000"/>
-                            </a:schemeClr>
-                          </a:solidFill>
-                          <a:latin typeface="+mn-lt"/>
-                          <a:ea typeface="+mn-ea"/>
-                          <a:cs typeface="+mn-ea"/>
-                          <a:sym typeface="+mn-lt"/>
-                        </a:rPr>
-                        <a:t>选择理由</a:t>
-                      </a:r>
+                      <a:endParaRPr lang="zh-CN" altLang="en-US" sz="1000" b="0" dirty="0" smtClean="0">
+                        <a:solidFill>
+                          <a:schemeClr val="accent1">
+                            <a:lumMod val="75000"/>
+                          </a:schemeClr>
+                        </a:solidFill>
+                        <a:latin typeface="+mn-lt"/>
+                        <a:ea typeface="+mn-ea"/>
+                        <a:cs typeface="+mn-ea"/>
+                        <a:sym typeface="+mn-lt"/>
+                      </a:endParaRPr>
                     </a:p>
                   </a:txBody>
                   <a:tcPr>
@@ -18894,18 +18585,15 @@
                         <a:buFontTx/>
                         <a:buNone/>
                       </a:pPr>
-                      <a:r>
-                        <a:rPr lang="en-US" altLang="zh-CN" sz="1200" b="0" dirty="0" smtClean="0">
-                          <a:solidFill>
-                            <a:schemeClr val="tx1"/>
-                          </a:solidFill>
-                          <a:latin typeface="+mn-lt"/>
-                          <a:ea typeface="+mn-ea"/>
-                          <a:cs typeface="+mn-ea"/>
-                          <a:sym typeface="+mn-lt"/>
-                        </a:rPr>
-                        <a:t>RMB XX,XXX</a:t>
-                      </a:r>
+                      <a:endParaRPr lang="en-US" altLang="zh-CN" sz="1200" b="0" dirty="0" smtClean="0">
+                        <a:solidFill>
+                          <a:schemeClr val="tx1"/>
+                        </a:solidFill>
+                        <a:latin typeface="+mn-lt"/>
+                        <a:ea typeface="+mn-ea"/>
+                        <a:cs typeface="+mn-ea"/>
+                        <a:sym typeface="+mn-lt"/>
+                      </a:endParaRPr>
                     </a:p>
                   </a:txBody>
                   <a:tcPr anchor="ctr">
@@ -18936,60 +18624,6 @@
                         <a:tabLst/>
                         <a:defRPr/>
                       </a:pPr>
-                      <a:r>
-                        <a:rPr kumimoji="0" lang="zh-CN" altLang="en-US" sz="1200" b="0" i="0" u="none" strike="noStrike" kern="1200" cap="none" spc="0" normalizeH="0" baseline="0" noProof="0" dirty="0" smtClean="0">
-                          <a:ln>
-                            <a:noFill/>
-                          </a:ln>
-                          <a:solidFill>
-                            <a:srgbClr val="000000"/>
-                          </a:solidFill>
-                          <a:effectLst/>
-                          <a:uLnTx/>
-                          <a:uFillTx/>
-                          <a:latin typeface="+mn-lt"/>
-                          <a:ea typeface="+mn-ea"/>
-                          <a:cs typeface="+mn-ea"/>
-                          <a:sym typeface="+mn-lt"/>
-                        </a:rPr>
-                        <a:t>是</a:t>
-                      </a:r>
-                      <a:r>
-                        <a:rPr kumimoji="0" lang="en-US" altLang="zh-CN" sz="1200" b="0" i="0" u="none" strike="noStrike" kern="1200" cap="none" spc="0" normalizeH="0" baseline="0" noProof="0" dirty="0" smtClean="0">
-                          <a:ln>
-                            <a:noFill/>
-                          </a:ln>
-                          <a:solidFill>
-                            <a:srgbClr val="000000"/>
-                          </a:solidFill>
-                          <a:effectLst/>
-                          <a:uLnTx/>
-                          <a:uFillTx/>
-                          <a:latin typeface="+mn-lt"/>
-                          <a:ea typeface="+mn-ea"/>
-                          <a:cs typeface="+mn-ea"/>
-                          <a:sym typeface="+mn-lt"/>
-                        </a:rPr>
-                        <a:t>/</a:t>
-                      </a:r>
-                      <a:r>
-                        <a:rPr kumimoji="0" lang="zh-CN" altLang="en-US" sz="1200" b="0" i="0" u="none" strike="noStrike" kern="1200" cap="none" spc="0" normalizeH="0" baseline="0" noProof="0" dirty="0" smtClean="0">
-                          <a:ln>
-                            <a:noFill/>
-                          </a:ln>
-                          <a:solidFill>
-                            <a:srgbClr val="000000"/>
-                          </a:solidFill>
-                          <a:effectLst/>
-                          <a:uLnTx/>
-                          <a:uFillTx/>
-                          <a:latin typeface="+mn-lt"/>
-                          <a:ea typeface="+mn-ea"/>
-                          <a:cs typeface="+mn-ea"/>
-                          <a:sym typeface="+mn-lt"/>
-                        </a:rPr>
-                        <a:t>否</a:t>
-                      </a:r>
                       <a:endParaRPr kumimoji="0" lang="en-US" altLang="zh-CN" sz="1200" b="0" i="0" u="none" strike="noStrike" kern="1200" cap="none" spc="0" normalizeH="0" baseline="0" noProof="0" dirty="0" smtClean="0">
                         <a:ln>
                           <a:noFill/>
@@ -19035,226 +18669,6 @@
                         <a:tabLst/>
                         <a:defRPr/>
                       </a:pPr>
-                      <a:r>
-                        <a:rPr kumimoji="0" lang="zh-CN" altLang="en-US" sz="1000" b="0" i="0" u="none" strike="noStrike" kern="1200" cap="none" spc="0" normalizeH="0" baseline="0" noProof="0" dirty="0" smtClean="0">
-                          <a:ln>
-                            <a:noFill/>
-                          </a:ln>
-                          <a:solidFill>
-                            <a:schemeClr val="accent1">
-                              <a:lumMod val="75000"/>
-                            </a:schemeClr>
-                          </a:solidFill>
-                          <a:effectLst/>
-                          <a:uLnTx/>
-                          <a:uFillTx/>
-                          <a:latin typeface="+mn-lt"/>
-                          <a:ea typeface="+mn-ea"/>
-                          <a:cs typeface="+mn-ea"/>
-                          <a:sym typeface="+mn-lt"/>
-                        </a:rPr>
-                        <a:t>摄影师人数</a:t>
-                      </a:r>
-                      <a:r>
-                        <a:rPr kumimoji="0" lang="en-US" altLang="zh-CN" sz="1000" b="0" i="0" u="none" strike="noStrike" kern="1200" cap="none" spc="0" normalizeH="0" baseline="0" noProof="0" dirty="0" smtClean="0">
-                          <a:ln>
-                            <a:noFill/>
-                          </a:ln>
-                          <a:solidFill>
-                            <a:schemeClr val="accent1">
-                              <a:lumMod val="75000"/>
-                            </a:schemeClr>
-                          </a:solidFill>
-                          <a:effectLst/>
-                          <a:uLnTx/>
-                          <a:uFillTx/>
-                          <a:latin typeface="+mn-lt"/>
-                          <a:ea typeface="+mn-ea"/>
-                          <a:cs typeface="+mn-ea"/>
-                          <a:sym typeface="+mn-lt"/>
-                        </a:rPr>
-                        <a:t>/</a:t>
-                      </a:r>
-                      <a:r>
-                        <a:rPr kumimoji="0" lang="zh-CN" altLang="en-US" sz="1000" b="0" i="0" u="none" strike="noStrike" kern="1200" cap="none" spc="0" normalizeH="0" baseline="0" noProof="0" dirty="0" smtClean="0">
-                          <a:ln>
-                            <a:noFill/>
-                          </a:ln>
-                          <a:solidFill>
-                            <a:schemeClr val="accent1">
-                              <a:lumMod val="75000"/>
-                            </a:schemeClr>
-                          </a:solidFill>
-                          <a:effectLst/>
-                          <a:uLnTx/>
-                          <a:uFillTx/>
-                          <a:latin typeface="+mn-lt"/>
-                          <a:ea typeface="+mn-ea"/>
-                          <a:cs typeface="+mn-ea"/>
-                          <a:sym typeface="+mn-lt"/>
-                        </a:rPr>
-                        <a:t>从业年限</a:t>
-                      </a:r>
-                      <a:r>
-                        <a:rPr kumimoji="0" lang="en-US" altLang="zh-CN" sz="1000" b="0" i="0" u="none" strike="noStrike" kern="1200" cap="none" spc="0" normalizeH="0" baseline="0" noProof="0" dirty="0" smtClean="0">
-                          <a:ln>
-                            <a:noFill/>
-                          </a:ln>
-                          <a:solidFill>
-                            <a:schemeClr val="accent1">
-                              <a:lumMod val="75000"/>
-                            </a:schemeClr>
-                          </a:solidFill>
-                          <a:effectLst/>
-                          <a:uLnTx/>
-                          <a:uFillTx/>
-                          <a:latin typeface="+mn-lt"/>
-                          <a:ea typeface="+mn-ea"/>
-                          <a:cs typeface="+mn-ea"/>
-                          <a:sym typeface="+mn-lt"/>
-                        </a:rPr>
-                        <a:t>/</a:t>
-                      </a:r>
-                      <a:r>
-                        <a:rPr kumimoji="0" lang="zh-CN" altLang="en-US" sz="1000" b="0" i="0" u="none" strike="noStrike" kern="1200" cap="none" spc="0" normalizeH="0" baseline="0" noProof="0" dirty="0" smtClean="0">
-                          <a:ln>
-                            <a:noFill/>
-                          </a:ln>
-                          <a:solidFill>
-                            <a:schemeClr val="accent1">
-                              <a:lumMod val="75000"/>
-                            </a:schemeClr>
-                          </a:solidFill>
-                          <a:effectLst/>
-                          <a:uLnTx/>
-                          <a:uFillTx/>
-                          <a:latin typeface="+mn-lt"/>
-                          <a:ea typeface="+mn-ea"/>
-                          <a:cs typeface="+mn-ea"/>
-                          <a:sym typeface="+mn-lt"/>
-                        </a:rPr>
-                        <a:t>拍摄时长</a:t>
-                      </a:r>
-                      <a:r>
-                        <a:rPr kumimoji="0" lang="en-US" altLang="zh-CN" sz="1000" b="0" i="0" u="none" strike="noStrike" kern="1200" cap="none" spc="0" normalizeH="0" baseline="0" noProof="0" dirty="0" smtClean="0">
-                          <a:ln>
-                            <a:noFill/>
-                          </a:ln>
-                          <a:solidFill>
-                            <a:schemeClr val="accent1">
-                              <a:lumMod val="75000"/>
-                            </a:schemeClr>
-                          </a:solidFill>
-                          <a:effectLst/>
-                          <a:uLnTx/>
-                          <a:uFillTx/>
-                          <a:latin typeface="+mn-lt"/>
-                          <a:ea typeface="+mn-ea"/>
-                          <a:cs typeface="+mn-ea"/>
-                          <a:sym typeface="+mn-lt"/>
-                        </a:rPr>
-                        <a:t>/</a:t>
-                      </a:r>
-                      <a:r>
-                        <a:rPr kumimoji="0" lang="zh-CN" altLang="en-US" sz="1000" b="0" i="0" u="none" strike="noStrike" kern="1200" cap="none" spc="0" normalizeH="0" baseline="0" noProof="0" dirty="0" smtClean="0">
-                          <a:ln>
-                            <a:noFill/>
-                          </a:ln>
-                          <a:solidFill>
-                            <a:schemeClr val="accent1">
-                              <a:lumMod val="75000"/>
-                            </a:schemeClr>
-                          </a:solidFill>
-                          <a:effectLst/>
-                          <a:uLnTx/>
-                          <a:uFillTx/>
-                          <a:latin typeface="+mn-lt"/>
-                          <a:ea typeface="+mn-ea"/>
-                          <a:cs typeface="+mn-ea"/>
-                          <a:sym typeface="+mn-lt"/>
-                        </a:rPr>
-                        <a:t>摄影设备（相机</a:t>
-                      </a:r>
-                      <a:r>
-                        <a:rPr kumimoji="0" lang="en-US" altLang="zh-CN" sz="1000" b="0" i="0" u="none" strike="noStrike" kern="1200" cap="none" spc="0" normalizeH="0" baseline="0" noProof="0" dirty="0" smtClean="0">
-                          <a:ln>
-                            <a:noFill/>
-                          </a:ln>
-                          <a:solidFill>
-                            <a:schemeClr val="accent1">
-                              <a:lumMod val="75000"/>
-                            </a:schemeClr>
-                          </a:solidFill>
-                          <a:effectLst/>
-                          <a:uLnTx/>
-                          <a:uFillTx/>
-                          <a:latin typeface="+mn-lt"/>
-                          <a:ea typeface="+mn-ea"/>
-                          <a:cs typeface="+mn-ea"/>
-                          <a:sym typeface="+mn-lt"/>
-                        </a:rPr>
-                        <a:t>/</a:t>
-                      </a:r>
-                      <a:r>
-                        <a:rPr kumimoji="0" lang="zh-CN" altLang="en-US" sz="1000" b="0" i="0" u="none" strike="noStrike" kern="1200" cap="none" spc="0" normalizeH="0" baseline="0" noProof="0" dirty="0" smtClean="0">
-                          <a:ln>
-                            <a:noFill/>
-                          </a:ln>
-                          <a:solidFill>
-                            <a:schemeClr val="accent1">
-                              <a:lumMod val="75000"/>
-                            </a:schemeClr>
-                          </a:solidFill>
-                          <a:effectLst/>
-                          <a:uLnTx/>
-                          <a:uFillTx/>
-                          <a:latin typeface="+mn-lt"/>
-                          <a:ea typeface="+mn-ea"/>
-                          <a:cs typeface="+mn-ea"/>
-                          <a:sym typeface="+mn-lt"/>
-                        </a:rPr>
-                        <a:t>摄像机</a:t>
-                      </a:r>
-                      <a:r>
-                        <a:rPr kumimoji="0" lang="en-US" altLang="zh-CN" sz="1000" b="0" i="0" u="none" strike="noStrike" kern="1200" cap="none" spc="0" normalizeH="0" baseline="0" noProof="0" dirty="0" smtClean="0">
-                          <a:ln>
-                            <a:noFill/>
-                          </a:ln>
-                          <a:solidFill>
-                            <a:schemeClr val="accent1">
-                              <a:lumMod val="75000"/>
-                            </a:schemeClr>
-                          </a:solidFill>
-                          <a:effectLst/>
-                          <a:uLnTx/>
-                          <a:uFillTx/>
-                          <a:latin typeface="+mn-lt"/>
-                          <a:ea typeface="+mn-ea"/>
-                          <a:cs typeface="+mn-ea"/>
-                          <a:sym typeface="+mn-lt"/>
-                        </a:rPr>
-                        <a:t>/</a:t>
-                      </a:r>
-                      <a:r>
-                        <a:rPr kumimoji="0" lang="zh-CN" altLang="en-US" sz="1000" b="0" i="0" u="none" strike="noStrike" kern="1200" cap="none" spc="0" normalizeH="0" baseline="0" noProof="0" dirty="0" smtClean="0">
-                          <a:ln>
-                            <a:noFill/>
-                          </a:ln>
-                          <a:solidFill>
-                            <a:schemeClr val="accent1">
-                              <a:lumMod val="75000"/>
-                            </a:schemeClr>
-                          </a:solidFill>
-                          <a:effectLst/>
-                          <a:uLnTx/>
-                          <a:uFillTx/>
-                          <a:latin typeface="+mn-lt"/>
-                          <a:ea typeface="+mn-ea"/>
-                          <a:cs typeface="+mn-ea"/>
-                          <a:sym typeface="+mn-lt"/>
-                        </a:rPr>
-                        <a:t>无人机等）</a:t>
-                      </a:r>
                       <a:endParaRPr kumimoji="0" lang="en-US" altLang="zh-CN" sz="1000" b="0" i="0" u="none" strike="noStrike" kern="1200" cap="none" spc="0" normalizeH="0" baseline="0" noProof="0" dirty="0" smtClean="0">
                         <a:ln>
                           <a:noFill/>
@@ -19282,7 +18696,7 @@
                 </a:tc>
                 <a:extLst>
                   <a:ext uri="{0D108BD9-81ED-4DB2-BD59-A6C34878D82A}">
-                    <a16:rowId xmlns:a16="http://schemas.microsoft.com/office/drawing/2014/main" xmlns="" val="3375075753"/>
+                    <a16:rowId xmlns="" xmlns:a16="http://schemas.microsoft.com/office/drawing/2014/main" val="3375075753"/>
                   </a:ext>
                 </a:extLst>
               </a:tr>
@@ -19377,18 +18791,15 @@
                         <a:buFontTx/>
                         <a:buNone/>
                       </a:pPr>
-                      <a:r>
-                        <a:rPr lang="en-US" altLang="zh-CN" sz="1200" b="0" dirty="0" smtClean="0">
-                          <a:solidFill>
-                            <a:schemeClr val="tx1"/>
-                          </a:solidFill>
-                          <a:latin typeface="+mn-lt"/>
-                          <a:ea typeface="+mn-ea"/>
-                          <a:cs typeface="+mn-ea"/>
-                          <a:sym typeface="+mn-lt"/>
-                        </a:rPr>
-                        <a:t>RMB XX,XXX</a:t>
-                      </a:r>
+                      <a:endParaRPr lang="en-US" altLang="zh-CN" sz="1200" b="0" dirty="0" smtClean="0">
+                        <a:solidFill>
+                          <a:schemeClr val="tx1"/>
+                        </a:solidFill>
+                        <a:latin typeface="+mn-lt"/>
+                        <a:ea typeface="+mn-ea"/>
+                        <a:cs typeface="+mn-ea"/>
+                        <a:sym typeface="+mn-lt"/>
+                      </a:endParaRPr>
                     </a:p>
                   </a:txBody>
                   <a:tcPr anchor="ctr">
@@ -19419,60 +18830,6 @@
                         <a:tabLst/>
                         <a:defRPr/>
                       </a:pPr>
-                      <a:r>
-                        <a:rPr kumimoji="0" lang="zh-CN" altLang="en-US" sz="1200" b="0" i="0" u="none" strike="noStrike" kern="1200" cap="none" spc="0" normalizeH="0" baseline="0" noProof="0" dirty="0" smtClean="0">
-                          <a:ln>
-                            <a:noFill/>
-                          </a:ln>
-                          <a:solidFill>
-                            <a:srgbClr val="000000"/>
-                          </a:solidFill>
-                          <a:effectLst/>
-                          <a:uLnTx/>
-                          <a:uFillTx/>
-                          <a:latin typeface="+mn-lt"/>
-                          <a:ea typeface="+mn-ea"/>
-                          <a:cs typeface="+mn-ea"/>
-                          <a:sym typeface="+mn-lt"/>
-                        </a:rPr>
-                        <a:t>是</a:t>
-                      </a:r>
-                      <a:r>
-                        <a:rPr kumimoji="0" lang="en-US" altLang="zh-CN" sz="1200" b="0" i="0" u="none" strike="noStrike" kern="1200" cap="none" spc="0" normalizeH="0" baseline="0" noProof="0" dirty="0" smtClean="0">
-                          <a:ln>
-                            <a:noFill/>
-                          </a:ln>
-                          <a:solidFill>
-                            <a:srgbClr val="000000"/>
-                          </a:solidFill>
-                          <a:effectLst/>
-                          <a:uLnTx/>
-                          <a:uFillTx/>
-                          <a:latin typeface="+mn-lt"/>
-                          <a:ea typeface="+mn-ea"/>
-                          <a:cs typeface="+mn-ea"/>
-                          <a:sym typeface="+mn-lt"/>
-                        </a:rPr>
-                        <a:t>/</a:t>
-                      </a:r>
-                      <a:r>
-                        <a:rPr kumimoji="0" lang="zh-CN" altLang="en-US" sz="1200" b="0" i="0" u="none" strike="noStrike" kern="1200" cap="none" spc="0" normalizeH="0" baseline="0" noProof="0" dirty="0" smtClean="0">
-                          <a:ln>
-                            <a:noFill/>
-                          </a:ln>
-                          <a:solidFill>
-                            <a:srgbClr val="000000"/>
-                          </a:solidFill>
-                          <a:effectLst/>
-                          <a:uLnTx/>
-                          <a:uFillTx/>
-                          <a:latin typeface="+mn-lt"/>
-                          <a:ea typeface="+mn-ea"/>
-                          <a:cs typeface="+mn-ea"/>
-                          <a:sym typeface="+mn-lt"/>
-                        </a:rPr>
-                        <a:t>否</a:t>
-                      </a:r>
                       <a:endParaRPr kumimoji="0" lang="en-US" altLang="zh-CN" sz="1200" b="0" i="0" u="none" strike="noStrike" kern="1200" cap="none" spc="0" normalizeH="0" baseline="0" noProof="0" dirty="0" smtClean="0">
                         <a:ln>
                           <a:noFill/>
@@ -19518,20 +18875,6 @@
                         <a:tabLst/>
                         <a:defRPr/>
                       </a:pPr>
-                      <a:r>
-                        <a:rPr lang="zh-CN" altLang="en-US" sz="1000" b="0" dirty="0" smtClean="0">
-                          <a:solidFill>
-                            <a:schemeClr val="accent1">
-                              <a:lumMod val="75000"/>
-                            </a:schemeClr>
-                          </a:solidFill>
-                          <a:latin typeface="+mn-lt"/>
-                          <a:ea typeface="+mn-ea"/>
-                          <a:cs typeface="+mn-ea"/>
-                          <a:sym typeface="+mn-lt"/>
-                        </a:rPr>
-                        <a:t>具体搭建方案及内容</a:t>
-                      </a:r>
                       <a:endParaRPr lang="en-US" altLang="zh-CN" sz="1000" b="0" dirty="0" smtClean="0">
                         <a:solidFill>
                           <a:schemeClr val="accent1">
@@ -19618,18 +18961,15 @@
                         <a:tabLst/>
                         <a:defRPr/>
                       </a:pPr>
-                      <a:r>
-                        <a:rPr lang="en-US" altLang="zh-CN" sz="1200" b="0" dirty="0" smtClean="0">
-                          <a:solidFill>
-                            <a:schemeClr val="tx1"/>
-                          </a:solidFill>
-                          <a:latin typeface="+mn-lt"/>
-                          <a:ea typeface="+mn-ea"/>
-                          <a:cs typeface="+mn-ea"/>
-                          <a:sym typeface="+mn-lt"/>
-                        </a:rPr>
-                        <a:t>RMB XX,XXX</a:t>
-                      </a:r>
+                      <a:endParaRPr lang="en-US" altLang="zh-CN" sz="1200" b="0" dirty="0" smtClean="0">
+                        <a:solidFill>
+                          <a:schemeClr val="tx1"/>
+                        </a:solidFill>
+                        <a:latin typeface="+mn-lt"/>
+                        <a:ea typeface="+mn-ea"/>
+                        <a:cs typeface="+mn-ea"/>
+                        <a:sym typeface="+mn-lt"/>
+                      </a:endParaRPr>
                     </a:p>
                   </a:txBody>
                   <a:tcPr anchor="ctr">
@@ -19660,60 +19000,6 @@
                         <a:tabLst/>
                         <a:defRPr/>
                       </a:pPr>
-                      <a:r>
-                        <a:rPr kumimoji="0" lang="zh-CN" altLang="en-US" sz="1200" b="0" i="0" u="none" strike="noStrike" kern="1200" cap="none" spc="0" normalizeH="0" baseline="0" noProof="0" dirty="0" smtClean="0">
-                          <a:ln>
-                            <a:noFill/>
-                          </a:ln>
-                          <a:solidFill>
-                            <a:srgbClr val="000000"/>
-                          </a:solidFill>
-                          <a:effectLst/>
-                          <a:uLnTx/>
-                          <a:uFillTx/>
-                          <a:latin typeface="+mn-lt"/>
-                          <a:ea typeface="+mn-ea"/>
-                          <a:cs typeface="+mn-ea"/>
-                          <a:sym typeface="+mn-lt"/>
-                        </a:rPr>
-                        <a:t>是</a:t>
-                      </a:r>
-                      <a:r>
-                        <a:rPr kumimoji="0" lang="en-US" altLang="zh-CN" sz="1200" b="0" i="0" u="none" strike="noStrike" kern="1200" cap="none" spc="0" normalizeH="0" baseline="0" noProof="0" dirty="0" smtClean="0">
-                          <a:ln>
-                            <a:noFill/>
-                          </a:ln>
-                          <a:solidFill>
-                            <a:srgbClr val="000000"/>
-                          </a:solidFill>
-                          <a:effectLst/>
-                          <a:uLnTx/>
-                          <a:uFillTx/>
-                          <a:latin typeface="+mn-lt"/>
-                          <a:ea typeface="+mn-ea"/>
-                          <a:cs typeface="+mn-ea"/>
-                          <a:sym typeface="+mn-lt"/>
-                        </a:rPr>
-                        <a:t>/</a:t>
-                      </a:r>
-                      <a:r>
-                        <a:rPr kumimoji="0" lang="zh-CN" altLang="en-US" sz="1200" b="0" i="0" u="none" strike="noStrike" kern="1200" cap="none" spc="0" normalizeH="0" baseline="0" noProof="0" dirty="0" smtClean="0">
-                          <a:ln>
-                            <a:noFill/>
-                          </a:ln>
-                          <a:solidFill>
-                            <a:srgbClr val="000000"/>
-                          </a:solidFill>
-                          <a:effectLst/>
-                          <a:uLnTx/>
-                          <a:uFillTx/>
-                          <a:latin typeface="+mn-lt"/>
-                          <a:ea typeface="+mn-ea"/>
-                          <a:cs typeface="+mn-ea"/>
-                          <a:sym typeface="+mn-lt"/>
-                        </a:rPr>
-                        <a:t>否</a:t>
-                      </a:r>
                       <a:endParaRPr kumimoji="0" lang="en-US" altLang="zh-CN" sz="1200" b="0" i="0" u="none" strike="noStrike" kern="1200" cap="none" spc="0" normalizeH="0" baseline="0" noProof="0" dirty="0" smtClean="0">
                         <a:ln>
                           <a:noFill/>
@@ -19759,82 +19045,6 @@
                         <a:tabLst/>
                         <a:defRPr/>
                       </a:pPr>
-                      <a:r>
-                        <a:rPr kumimoji="0" lang="zh-CN" altLang="en-US" sz="1000" b="0" i="0" u="none" strike="noStrike" kern="1200" cap="none" spc="0" normalizeH="0" baseline="0" noProof="0" dirty="0" smtClean="0">
-                          <a:ln>
-                            <a:noFill/>
-                          </a:ln>
-                          <a:solidFill>
-                            <a:schemeClr val="accent1">
-                              <a:lumMod val="75000"/>
-                            </a:schemeClr>
-                          </a:solidFill>
-                          <a:effectLst/>
-                          <a:uLnTx/>
-                          <a:uFillTx/>
-                          <a:latin typeface="+mn-lt"/>
-                          <a:ea typeface="+mn-ea"/>
-                          <a:cs typeface="+mn-ea"/>
-                          <a:sym typeface="+mn-lt"/>
-                        </a:rPr>
-                        <a:t>表演人数及具体表演方案</a:t>
-                      </a:r>
-                      <a:endParaRPr kumimoji="0" lang="en-US" altLang="zh-CN" sz="1000" b="0" i="0" u="none" strike="noStrike" kern="1200" cap="none" spc="0" normalizeH="0" baseline="0" noProof="0" dirty="0" smtClean="0">
-                        <a:ln>
-                          <a:noFill/>
-                        </a:ln>
-                        <a:solidFill>
-                          <a:schemeClr val="accent1">
-                            <a:lumMod val="75000"/>
-                          </a:schemeClr>
-                        </a:solidFill>
-                        <a:effectLst/>
-                        <a:uLnTx/>
-                        <a:uFillTx/>
-                        <a:latin typeface="+mn-lt"/>
-                        <a:ea typeface="+mn-ea"/>
-                        <a:cs typeface="+mn-ea"/>
-                        <a:sym typeface="+mn-lt"/>
-                      </a:endParaRPr>
-                    </a:p>
-                    <a:p>
-                      <a:pPr marL="0" marR="0" lvl="0" indent="0" algn="l" defTabSz="914389" rtl="0" eaLnBrk="1" fontAlgn="auto" latinLnBrk="0" hangingPunct="1">
-                        <a:lnSpc>
-                          <a:spcPct val="100000"/>
-                        </a:lnSpc>
-                        <a:spcBef>
-                          <a:spcPts val="0"/>
-                        </a:spcBef>
-                        <a:spcAft>
-                          <a:spcPts val="0"/>
-                        </a:spcAft>
-                        <a:buClrTx/>
-                        <a:buSzTx/>
-                        <a:buFontTx/>
-                        <a:buNone/>
-                        <a:tabLst/>
-                        <a:defRPr/>
-                      </a:pPr>
-                      <a:r>
-                        <a:rPr kumimoji="0" lang="zh-CN" altLang="en-US" sz="1000" b="0" i="0" u="none" strike="noStrike" kern="1200" cap="none" spc="0" normalizeH="0" baseline="0" noProof="0" dirty="0" smtClean="0">
-                          <a:ln>
-                            <a:noFill/>
-                          </a:ln>
-                          <a:solidFill>
-                            <a:schemeClr val="accent1">
-                              <a:lumMod val="75000"/>
-                            </a:schemeClr>
-                          </a:solidFill>
-                          <a:effectLst/>
-                          <a:uLnTx/>
-                          <a:uFillTx/>
-                          <a:latin typeface="+mn-lt"/>
-                          <a:ea typeface="+mn-ea"/>
-                          <a:cs typeface="+mn-ea"/>
-                          <a:sym typeface="+mn-lt"/>
-                        </a:rPr>
-                        <a:t>如果有不同表演内容请详细说明</a:t>
-                      </a:r>
                       <a:endParaRPr kumimoji="0" lang="en-US" altLang="zh-CN" sz="1000" b="0" i="0" u="none" strike="noStrike" kern="1200" cap="none" spc="0" normalizeH="0" baseline="0" noProof="0" dirty="0" smtClean="0">
                         <a:ln>
                           <a:noFill/>
@@ -19862,7 +19072,7 @@
                 </a:tc>
                 <a:extLst>
                   <a:ext uri="{0D108BD9-81ED-4DB2-BD59-A6C34878D82A}">
-                    <a16:rowId xmlns:a16="http://schemas.microsoft.com/office/drawing/2014/main" xmlns="" val="1818738132"/>
+                    <a16:rowId xmlns="" xmlns:a16="http://schemas.microsoft.com/office/drawing/2014/main" val="1818738132"/>
                   </a:ext>
                 </a:extLst>
               </a:tr>
@@ -20005,18 +19215,15 @@
                         <a:buFontTx/>
                         <a:buNone/>
                       </a:pPr>
-                      <a:r>
-                        <a:rPr lang="en-US" altLang="zh-CN" sz="1200" b="0" dirty="0" smtClean="0">
-                          <a:solidFill>
-                            <a:schemeClr val="tx1"/>
-                          </a:solidFill>
-                          <a:latin typeface="+mn-lt"/>
-                          <a:ea typeface="+mn-ea"/>
-                          <a:cs typeface="+mn-ea"/>
-                          <a:sym typeface="+mn-lt"/>
-                        </a:rPr>
-                        <a:t>RMB XX,XXX</a:t>
-                      </a:r>
+                      <a:endParaRPr lang="en-US" altLang="zh-CN" sz="1200" b="0" dirty="0" smtClean="0">
+                        <a:solidFill>
+                          <a:schemeClr val="tx1"/>
+                        </a:solidFill>
+                        <a:latin typeface="+mn-lt"/>
+                        <a:ea typeface="+mn-ea"/>
+                        <a:cs typeface="+mn-ea"/>
+                        <a:sym typeface="+mn-lt"/>
+                      </a:endParaRPr>
                     </a:p>
                   </a:txBody>
                   <a:tcPr anchor="ctr">
@@ -20047,60 +19254,6 @@
                         <a:tabLst/>
                         <a:defRPr/>
                       </a:pPr>
-                      <a:r>
-                        <a:rPr kumimoji="0" lang="zh-CN" altLang="en-US" sz="1200" b="0" i="0" u="none" strike="noStrike" kern="1200" cap="none" spc="0" normalizeH="0" baseline="0" noProof="0" dirty="0" smtClean="0">
-                          <a:ln>
-                            <a:noFill/>
-                          </a:ln>
-                          <a:solidFill>
-                            <a:srgbClr val="000000"/>
-                          </a:solidFill>
-                          <a:effectLst/>
-                          <a:uLnTx/>
-                          <a:uFillTx/>
-                          <a:latin typeface="+mn-lt"/>
-                          <a:ea typeface="+mn-ea"/>
-                          <a:cs typeface="+mn-ea"/>
-                          <a:sym typeface="+mn-lt"/>
-                        </a:rPr>
-                        <a:t>是</a:t>
-                      </a:r>
-                      <a:r>
-                        <a:rPr kumimoji="0" lang="en-US" altLang="zh-CN" sz="1200" b="0" i="0" u="none" strike="noStrike" kern="1200" cap="none" spc="0" normalizeH="0" baseline="0" noProof="0" dirty="0" smtClean="0">
-                          <a:ln>
-                            <a:noFill/>
-                          </a:ln>
-                          <a:solidFill>
-                            <a:srgbClr val="000000"/>
-                          </a:solidFill>
-                          <a:effectLst/>
-                          <a:uLnTx/>
-                          <a:uFillTx/>
-                          <a:latin typeface="+mn-lt"/>
-                          <a:ea typeface="+mn-ea"/>
-                          <a:cs typeface="+mn-ea"/>
-                          <a:sym typeface="+mn-lt"/>
-                        </a:rPr>
-                        <a:t>/</a:t>
-                      </a:r>
-                      <a:r>
-                        <a:rPr kumimoji="0" lang="zh-CN" altLang="en-US" sz="1200" b="0" i="0" u="none" strike="noStrike" kern="1200" cap="none" spc="0" normalizeH="0" baseline="0" noProof="0" dirty="0" smtClean="0">
-                          <a:ln>
-                            <a:noFill/>
-                          </a:ln>
-                          <a:solidFill>
-                            <a:srgbClr val="000000"/>
-                          </a:solidFill>
-                          <a:effectLst/>
-                          <a:uLnTx/>
-                          <a:uFillTx/>
-                          <a:latin typeface="+mn-lt"/>
-                          <a:ea typeface="+mn-ea"/>
-                          <a:cs typeface="+mn-ea"/>
-                          <a:sym typeface="+mn-lt"/>
-                        </a:rPr>
-                        <a:t>否</a:t>
-                      </a:r>
                       <a:endParaRPr kumimoji="0" lang="en-US" altLang="zh-CN" sz="1200" b="0" i="0" u="none" strike="noStrike" kern="1200" cap="none" spc="0" normalizeH="0" baseline="0" noProof="0" dirty="0" smtClean="0">
                         <a:ln>
                           <a:noFill/>
@@ -20146,64 +19299,6 @@
                         <a:tabLst/>
                         <a:defRPr/>
                       </a:pPr>
-                      <a:r>
-                        <a:rPr lang="zh-CN" altLang="en-US" sz="1000" b="0" dirty="0" smtClean="0">
-                          <a:solidFill>
-                            <a:schemeClr val="accent1">
-                              <a:lumMod val="75000"/>
-                            </a:schemeClr>
-                          </a:solidFill>
-                          <a:latin typeface="+mn-lt"/>
-                          <a:ea typeface="+mn-ea"/>
-                          <a:cs typeface="+mn-ea"/>
-                          <a:sym typeface="+mn-lt"/>
-                        </a:rPr>
-                        <a:t>总就餐人数</a:t>
-                      </a:r>
-                      <a:endParaRPr lang="en-US" altLang="zh-CN" sz="1000" b="0" dirty="0" smtClean="0">
-                        <a:solidFill>
-                          <a:schemeClr val="accent1">
-                            <a:lumMod val="75000"/>
-                          </a:schemeClr>
-                        </a:solidFill>
-                        <a:latin typeface="+mn-lt"/>
-                        <a:ea typeface="+mn-ea"/>
-                        <a:cs typeface="+mn-ea"/>
-                        <a:sym typeface="+mn-lt"/>
-                      </a:endParaRPr>
-                    </a:p>
-                    <a:p>
-                      <a:pPr marL="0" marR="0" lvl="0" indent="0" algn="l" defTabSz="914389" rtl="0" eaLnBrk="1" fontAlgn="auto" latinLnBrk="0" hangingPunct="1">
-                        <a:lnSpc>
-                          <a:spcPct val="100000"/>
-                        </a:lnSpc>
-                        <a:spcBef>
-                          <a:spcPts val="0"/>
-                        </a:spcBef>
-                        <a:spcAft>
-                          <a:spcPts val="0"/>
-                        </a:spcAft>
-                        <a:buClrTx/>
-                        <a:buSzTx/>
-                        <a:buFontTx/>
-                        <a:buNone/>
-                        <a:tabLst/>
-                        <a:defRPr/>
-                      </a:pPr>
-                      <a:r>
-                        <a:rPr lang="zh-CN" altLang="en-US" sz="1000" b="0" dirty="0" smtClean="0">
-                          <a:solidFill>
-                            <a:schemeClr val="accent1">
-                              <a:lumMod val="75000"/>
-                            </a:schemeClr>
-                          </a:solidFill>
-                          <a:latin typeface="+mn-lt"/>
-                          <a:ea typeface="+mn-ea"/>
-                          <a:cs typeface="+mn-ea"/>
-                          <a:sym typeface="+mn-lt"/>
-                        </a:rPr>
-                        <a:t>人均餐费</a:t>
-                      </a:r>
                       <a:endParaRPr lang="en-US" altLang="zh-CN" sz="1000" b="0" dirty="0" smtClean="0">
                         <a:solidFill>
                           <a:schemeClr val="accent1">
@@ -20290,18 +19385,15 @@
                         <a:tabLst/>
                         <a:defRPr/>
                       </a:pPr>
-                      <a:r>
-                        <a:rPr lang="en-US" altLang="zh-CN" sz="1200" b="0" dirty="0" smtClean="0">
-                          <a:solidFill>
-                            <a:schemeClr val="tx1"/>
-                          </a:solidFill>
-                          <a:latin typeface="+mn-lt"/>
-                          <a:ea typeface="+mn-ea"/>
-                          <a:cs typeface="+mn-ea"/>
-                          <a:sym typeface="+mn-lt"/>
-                        </a:rPr>
-                        <a:t>RMB XX,XXX</a:t>
-                      </a:r>
+                      <a:endParaRPr lang="en-US" altLang="zh-CN" sz="1200" b="0" dirty="0" smtClean="0">
+                        <a:solidFill>
+                          <a:schemeClr val="tx1"/>
+                        </a:solidFill>
+                        <a:latin typeface="+mn-lt"/>
+                        <a:ea typeface="+mn-ea"/>
+                        <a:cs typeface="+mn-ea"/>
+                        <a:sym typeface="+mn-lt"/>
+                      </a:endParaRPr>
                     </a:p>
                   </a:txBody>
                   <a:tcPr anchor="ctr">
@@ -20332,60 +19424,6 @@
                         <a:tabLst/>
                         <a:defRPr/>
                       </a:pPr>
-                      <a:r>
-                        <a:rPr kumimoji="0" lang="zh-CN" altLang="en-US" sz="1200" b="0" i="0" u="none" strike="noStrike" kern="1200" cap="none" spc="0" normalizeH="0" baseline="0" noProof="0" dirty="0" smtClean="0">
-                          <a:ln>
-                            <a:noFill/>
-                          </a:ln>
-                          <a:solidFill>
-                            <a:srgbClr val="000000"/>
-                          </a:solidFill>
-                          <a:effectLst/>
-                          <a:uLnTx/>
-                          <a:uFillTx/>
-                          <a:latin typeface="+mn-lt"/>
-                          <a:ea typeface="+mn-ea"/>
-                          <a:cs typeface="+mn-ea"/>
-                          <a:sym typeface="+mn-lt"/>
-                        </a:rPr>
-                        <a:t>是</a:t>
-                      </a:r>
-                      <a:r>
-                        <a:rPr kumimoji="0" lang="en-US" altLang="zh-CN" sz="1200" b="0" i="0" u="none" strike="noStrike" kern="1200" cap="none" spc="0" normalizeH="0" baseline="0" noProof="0" dirty="0" smtClean="0">
-                          <a:ln>
-                            <a:noFill/>
-                          </a:ln>
-                          <a:solidFill>
-                            <a:srgbClr val="000000"/>
-                          </a:solidFill>
-                          <a:effectLst/>
-                          <a:uLnTx/>
-                          <a:uFillTx/>
-                          <a:latin typeface="+mn-lt"/>
-                          <a:ea typeface="+mn-ea"/>
-                          <a:cs typeface="+mn-ea"/>
-                          <a:sym typeface="+mn-lt"/>
-                        </a:rPr>
-                        <a:t>/</a:t>
-                      </a:r>
-                      <a:r>
-                        <a:rPr kumimoji="0" lang="zh-CN" altLang="en-US" sz="1200" b="0" i="0" u="none" strike="noStrike" kern="1200" cap="none" spc="0" normalizeH="0" baseline="0" noProof="0" dirty="0" smtClean="0">
-                          <a:ln>
-                            <a:noFill/>
-                          </a:ln>
-                          <a:solidFill>
-                            <a:srgbClr val="000000"/>
-                          </a:solidFill>
-                          <a:effectLst/>
-                          <a:uLnTx/>
-                          <a:uFillTx/>
-                          <a:latin typeface="+mn-lt"/>
-                          <a:ea typeface="+mn-ea"/>
-                          <a:cs typeface="+mn-ea"/>
-                          <a:sym typeface="+mn-lt"/>
-                        </a:rPr>
-                        <a:t>否</a:t>
-                      </a:r>
                       <a:endParaRPr kumimoji="0" lang="en-US" altLang="zh-CN" sz="1200" b="0" i="0" u="none" strike="noStrike" kern="1200" cap="none" spc="0" normalizeH="0" baseline="0" noProof="0" dirty="0" smtClean="0">
                         <a:ln>
                           <a:noFill/>
@@ -20431,106 +19469,6 @@
                         <a:tabLst/>
                         <a:defRPr/>
                       </a:pPr>
-                      <a:r>
-                        <a:rPr kumimoji="0" lang="zh-CN" altLang="en-US" sz="1000" b="0" i="0" u="none" strike="noStrike" kern="1200" cap="none" spc="0" normalizeH="0" baseline="0" noProof="0" dirty="0" smtClean="0">
-                          <a:ln>
-                            <a:noFill/>
-                          </a:ln>
-                          <a:solidFill>
-                            <a:schemeClr val="accent1">
-                              <a:lumMod val="75000"/>
-                            </a:schemeClr>
-                          </a:solidFill>
-                          <a:effectLst/>
-                          <a:uLnTx/>
-                          <a:uFillTx/>
-                          <a:latin typeface="+mn-lt"/>
-                          <a:ea typeface="+mn-ea"/>
-                          <a:cs typeface="+mn-ea"/>
-                          <a:sym typeface="+mn-lt"/>
-                        </a:rPr>
-                        <a:t>人数</a:t>
-                      </a:r>
-                      <a:r>
-                        <a:rPr kumimoji="0" lang="en-US" altLang="zh-CN" sz="1000" b="0" i="0" u="none" strike="noStrike" kern="1200" cap="none" spc="0" normalizeH="0" baseline="0" noProof="0" dirty="0" smtClean="0">
-                          <a:ln>
-                            <a:noFill/>
-                          </a:ln>
-                          <a:solidFill>
-                            <a:schemeClr val="accent1">
-                              <a:lumMod val="75000"/>
-                            </a:schemeClr>
-                          </a:solidFill>
-                          <a:effectLst/>
-                          <a:uLnTx/>
-                          <a:uFillTx/>
-                          <a:latin typeface="+mn-lt"/>
-                          <a:ea typeface="+mn-ea"/>
-                          <a:cs typeface="+mn-ea"/>
-                          <a:sym typeface="+mn-lt"/>
-                        </a:rPr>
-                        <a:t>/</a:t>
-                      </a:r>
-                      <a:r>
-                        <a:rPr kumimoji="0" lang="zh-CN" altLang="en-US" sz="1000" b="0" i="0" u="none" strike="noStrike" kern="1200" cap="none" spc="0" normalizeH="0" baseline="0" noProof="0" dirty="0" smtClean="0">
-                          <a:ln>
-                            <a:noFill/>
-                          </a:ln>
-                          <a:solidFill>
-                            <a:schemeClr val="accent1">
-                              <a:lumMod val="75000"/>
-                            </a:schemeClr>
-                          </a:solidFill>
-                          <a:effectLst/>
-                          <a:uLnTx/>
-                          <a:uFillTx/>
-                          <a:latin typeface="+mn-lt"/>
-                          <a:ea typeface="+mn-ea"/>
-                          <a:cs typeface="+mn-ea"/>
-                          <a:sym typeface="+mn-lt"/>
-                        </a:rPr>
-                        <a:t>从业时长</a:t>
-                      </a:r>
-                      <a:r>
-                        <a:rPr kumimoji="0" lang="en-US" altLang="zh-CN" sz="1000" b="0" i="0" u="none" strike="noStrike" kern="1200" cap="none" spc="0" normalizeH="0" baseline="0" noProof="0" dirty="0" smtClean="0">
-                          <a:ln>
-                            <a:noFill/>
-                          </a:ln>
-                          <a:solidFill>
-                            <a:schemeClr val="accent1">
-                              <a:lumMod val="75000"/>
-                            </a:schemeClr>
-                          </a:solidFill>
-                          <a:effectLst/>
-                          <a:uLnTx/>
-                          <a:uFillTx/>
-                          <a:latin typeface="+mn-lt"/>
-                          <a:ea typeface="+mn-ea"/>
-                          <a:cs typeface="+mn-ea"/>
-                          <a:sym typeface="+mn-lt"/>
-                        </a:rPr>
-                        <a:t>/</a:t>
-                      </a:r>
-                      <a:r>
-                        <a:rPr kumimoji="0" lang="zh-CN" altLang="en-US" sz="1000" b="0" i="0" u="none" strike="noStrike" kern="1200" cap="none" spc="0" normalizeH="0" baseline="0" noProof="0" dirty="0" smtClean="0">
-                          <a:ln>
-                            <a:noFill/>
-                          </a:ln>
-                          <a:solidFill>
-                            <a:schemeClr val="accent1">
-                              <a:lumMod val="75000"/>
-                            </a:schemeClr>
-                          </a:solidFill>
-                          <a:effectLst/>
-                          <a:uLnTx/>
-                          <a:uFillTx/>
-                          <a:latin typeface="+mn-lt"/>
-                          <a:ea typeface="+mn-ea"/>
-                          <a:cs typeface="+mn-ea"/>
-                          <a:sym typeface="+mn-lt"/>
-                        </a:rPr>
-                        <a:t>相关经历</a:t>
-                      </a:r>
                       <a:endParaRPr kumimoji="0" lang="en-US" altLang="zh-CN" sz="1000" b="0" i="0" u="none" strike="noStrike" kern="1200" cap="none" spc="0" normalizeH="0" baseline="0" noProof="0" dirty="0" smtClean="0">
                         <a:ln>
                           <a:noFill/>
@@ -20558,7 +19496,7 @@
                 </a:tc>
                 <a:extLst>
                   <a:ext uri="{0D108BD9-81ED-4DB2-BD59-A6C34878D82A}">
-                    <a16:rowId xmlns:a16="http://schemas.microsoft.com/office/drawing/2014/main" xmlns="" val="3192001067"/>
+                    <a16:rowId xmlns="" xmlns:a16="http://schemas.microsoft.com/office/drawing/2014/main" val="3192001067"/>
                   </a:ext>
                 </a:extLst>
               </a:tr>
@@ -20671,18 +19609,15 @@
                         <a:tabLst/>
                         <a:defRPr/>
                       </a:pPr>
-                      <a:r>
-                        <a:rPr lang="en-US" altLang="zh-CN" sz="1200" b="0" dirty="0" smtClean="0">
-                          <a:solidFill>
-                            <a:schemeClr val="tx1"/>
-                          </a:solidFill>
-                          <a:latin typeface="+mn-lt"/>
-                          <a:ea typeface="+mn-ea"/>
-                          <a:cs typeface="+mn-ea"/>
-                          <a:sym typeface="+mn-lt"/>
-                        </a:rPr>
-                        <a:t>RMB XX,XXX</a:t>
-                      </a:r>
+                      <a:endParaRPr lang="en-US" altLang="zh-CN" sz="1200" b="0" dirty="0" smtClean="0">
+                        <a:solidFill>
+                          <a:schemeClr val="tx1"/>
+                        </a:solidFill>
+                        <a:latin typeface="+mn-lt"/>
+                        <a:ea typeface="+mn-ea"/>
+                        <a:cs typeface="+mn-ea"/>
+                        <a:sym typeface="+mn-lt"/>
+                      </a:endParaRPr>
                     </a:p>
                   </a:txBody>
                   <a:tcPr anchor="ctr">
@@ -20713,60 +19648,6 @@
                         <a:tabLst/>
                         <a:defRPr/>
                       </a:pPr>
-                      <a:r>
-                        <a:rPr kumimoji="0" lang="zh-CN" altLang="en-US" sz="1200" b="0" i="0" u="none" strike="noStrike" kern="1200" cap="none" spc="0" normalizeH="0" baseline="0" noProof="0" dirty="0" smtClean="0">
-                          <a:ln>
-                            <a:noFill/>
-                          </a:ln>
-                          <a:solidFill>
-                            <a:srgbClr val="000000"/>
-                          </a:solidFill>
-                          <a:effectLst/>
-                          <a:uLnTx/>
-                          <a:uFillTx/>
-                          <a:latin typeface="+mn-lt"/>
-                          <a:ea typeface="+mn-ea"/>
-                          <a:cs typeface="+mn-ea"/>
-                          <a:sym typeface="+mn-lt"/>
-                        </a:rPr>
-                        <a:t>是</a:t>
-                      </a:r>
-                      <a:r>
-                        <a:rPr kumimoji="0" lang="en-US" altLang="zh-CN" sz="1200" b="0" i="0" u="none" strike="noStrike" kern="1200" cap="none" spc="0" normalizeH="0" baseline="0" noProof="0" dirty="0" smtClean="0">
-                          <a:ln>
-                            <a:noFill/>
-                          </a:ln>
-                          <a:solidFill>
-                            <a:srgbClr val="000000"/>
-                          </a:solidFill>
-                          <a:effectLst/>
-                          <a:uLnTx/>
-                          <a:uFillTx/>
-                          <a:latin typeface="+mn-lt"/>
-                          <a:ea typeface="+mn-ea"/>
-                          <a:cs typeface="+mn-ea"/>
-                          <a:sym typeface="+mn-lt"/>
-                        </a:rPr>
-                        <a:t>/</a:t>
-                      </a:r>
-                      <a:r>
-                        <a:rPr kumimoji="0" lang="zh-CN" altLang="en-US" sz="1200" b="0" i="0" u="none" strike="noStrike" kern="1200" cap="none" spc="0" normalizeH="0" baseline="0" noProof="0" dirty="0" smtClean="0">
-                          <a:ln>
-                            <a:noFill/>
-                          </a:ln>
-                          <a:solidFill>
-                            <a:srgbClr val="000000"/>
-                          </a:solidFill>
-                          <a:effectLst/>
-                          <a:uLnTx/>
-                          <a:uFillTx/>
-                          <a:latin typeface="+mn-lt"/>
-                          <a:ea typeface="+mn-ea"/>
-                          <a:cs typeface="+mn-ea"/>
-                          <a:sym typeface="+mn-lt"/>
-                        </a:rPr>
-                        <a:t>否</a:t>
-                      </a:r>
                       <a:endParaRPr kumimoji="0" lang="en-US" altLang="zh-CN" sz="1200" b="0" i="0" u="none" strike="noStrike" kern="1200" cap="none" spc="0" normalizeH="0" baseline="0" noProof="0" dirty="0" smtClean="0">
                         <a:ln>
                           <a:noFill/>
@@ -20812,64 +19693,6 @@
                         <a:tabLst/>
                         <a:defRPr/>
                       </a:pPr>
-                      <a:r>
-                        <a:rPr lang="zh-CN" altLang="en-US" sz="1000" b="0" dirty="0" smtClean="0">
-                          <a:solidFill>
-                            <a:schemeClr val="accent1">
-                              <a:lumMod val="75000"/>
-                            </a:schemeClr>
-                          </a:solidFill>
-                          <a:latin typeface="+mn-lt"/>
-                          <a:ea typeface="+mn-ea"/>
-                          <a:cs typeface="+mn-ea"/>
-                          <a:sym typeface="+mn-lt"/>
-                        </a:rPr>
-                        <a:t>总就餐人数</a:t>
-                      </a:r>
-                      <a:endParaRPr lang="en-US" altLang="zh-CN" sz="1000" b="0" dirty="0" smtClean="0">
-                        <a:solidFill>
-                          <a:schemeClr val="accent1">
-                            <a:lumMod val="75000"/>
-                          </a:schemeClr>
-                        </a:solidFill>
-                        <a:latin typeface="+mn-lt"/>
-                        <a:ea typeface="+mn-ea"/>
-                        <a:cs typeface="+mn-ea"/>
-                        <a:sym typeface="+mn-lt"/>
-                      </a:endParaRPr>
-                    </a:p>
-                    <a:p>
-                      <a:pPr marL="0" marR="0" lvl="0" indent="0" algn="l" defTabSz="914389" rtl="0" eaLnBrk="1" fontAlgn="auto" latinLnBrk="0" hangingPunct="1">
-                        <a:lnSpc>
-                          <a:spcPct val="100000"/>
-                        </a:lnSpc>
-                        <a:spcBef>
-                          <a:spcPts val="0"/>
-                        </a:spcBef>
-                        <a:spcAft>
-                          <a:spcPts val="0"/>
-                        </a:spcAft>
-                        <a:buClrTx/>
-                        <a:buSzTx/>
-                        <a:buFontTx/>
-                        <a:buNone/>
-                        <a:tabLst/>
-                        <a:defRPr/>
-                      </a:pPr>
-                      <a:r>
-                        <a:rPr lang="zh-CN" altLang="en-US" sz="1000" b="0" dirty="0" smtClean="0">
-                          <a:solidFill>
-                            <a:schemeClr val="accent1">
-                              <a:lumMod val="75000"/>
-                            </a:schemeClr>
-                          </a:solidFill>
-                          <a:latin typeface="+mn-lt"/>
-                          <a:ea typeface="+mn-ea"/>
-                          <a:cs typeface="+mn-ea"/>
-                          <a:sym typeface="+mn-lt"/>
-                        </a:rPr>
-                        <a:t>人均酒水费用</a:t>
-                      </a:r>
                       <a:endParaRPr lang="en-US" altLang="zh-CN" sz="1000" b="0" dirty="0" smtClean="0">
                         <a:solidFill>
                           <a:schemeClr val="accent1">
@@ -20931,7 +19754,7 @@
                 </a:tc>
                 <a:extLst>
                   <a:ext uri="{0D108BD9-81ED-4DB2-BD59-A6C34878D82A}">
-                    <a16:rowId xmlns:a16="http://schemas.microsoft.com/office/drawing/2014/main" xmlns="" val="564902271"/>
+                    <a16:rowId xmlns="" xmlns:a16="http://schemas.microsoft.com/office/drawing/2014/main" val="564902271"/>
                   </a:ext>
                 </a:extLst>
               </a:tr>
@@ -21048,18 +19871,15 @@
                         <a:tabLst/>
                         <a:defRPr/>
                       </a:pPr>
-                      <a:r>
-                        <a:rPr lang="en-US" altLang="zh-CN" sz="1200" b="0" dirty="0" smtClean="0">
-                          <a:solidFill>
-                            <a:schemeClr val="tx1"/>
-                          </a:solidFill>
-                          <a:latin typeface="+mn-lt"/>
-                          <a:ea typeface="+mn-ea"/>
-                          <a:cs typeface="+mn-ea"/>
-                          <a:sym typeface="+mn-lt"/>
-                        </a:rPr>
-                        <a:t>RMB XX,XXX</a:t>
-                      </a:r>
+                      <a:endParaRPr lang="en-US" altLang="zh-CN" sz="1200" b="0" dirty="0" smtClean="0">
+                        <a:solidFill>
+                          <a:schemeClr val="tx1"/>
+                        </a:solidFill>
+                        <a:latin typeface="+mn-lt"/>
+                        <a:ea typeface="+mn-ea"/>
+                        <a:cs typeface="+mn-ea"/>
+                        <a:sym typeface="+mn-lt"/>
+                      </a:endParaRPr>
                     </a:p>
                   </a:txBody>
                   <a:tcPr anchor="ctr">
@@ -21090,60 +19910,6 @@
                         <a:tabLst/>
                         <a:defRPr/>
                       </a:pPr>
-                      <a:r>
-                        <a:rPr kumimoji="0" lang="zh-CN" altLang="en-US" sz="1200" b="0" i="0" u="none" strike="noStrike" kern="1200" cap="none" spc="0" normalizeH="0" baseline="0" noProof="0" dirty="0" smtClean="0">
-                          <a:ln>
-                            <a:noFill/>
-                          </a:ln>
-                          <a:solidFill>
-                            <a:srgbClr val="000000"/>
-                          </a:solidFill>
-                          <a:effectLst/>
-                          <a:uLnTx/>
-                          <a:uFillTx/>
-                          <a:latin typeface="+mn-lt"/>
-                          <a:ea typeface="+mn-ea"/>
-                          <a:cs typeface="+mn-ea"/>
-                          <a:sym typeface="+mn-lt"/>
-                        </a:rPr>
-                        <a:t>是</a:t>
-                      </a:r>
-                      <a:r>
-                        <a:rPr kumimoji="0" lang="en-US" altLang="zh-CN" sz="1200" b="0" i="0" u="none" strike="noStrike" kern="1200" cap="none" spc="0" normalizeH="0" baseline="0" noProof="0" dirty="0" smtClean="0">
-                          <a:ln>
-                            <a:noFill/>
-                          </a:ln>
-                          <a:solidFill>
-                            <a:srgbClr val="000000"/>
-                          </a:solidFill>
-                          <a:effectLst/>
-                          <a:uLnTx/>
-                          <a:uFillTx/>
-                          <a:latin typeface="+mn-lt"/>
-                          <a:ea typeface="+mn-ea"/>
-                          <a:cs typeface="+mn-ea"/>
-                          <a:sym typeface="+mn-lt"/>
-                        </a:rPr>
-                        <a:t>/</a:t>
-                      </a:r>
-                      <a:r>
-                        <a:rPr kumimoji="0" lang="zh-CN" altLang="en-US" sz="1200" b="0" i="0" u="none" strike="noStrike" kern="1200" cap="none" spc="0" normalizeH="0" baseline="0" noProof="0" dirty="0" smtClean="0">
-                          <a:ln>
-                            <a:noFill/>
-                          </a:ln>
-                          <a:solidFill>
-                            <a:srgbClr val="000000"/>
-                          </a:solidFill>
-                          <a:effectLst/>
-                          <a:uLnTx/>
-                          <a:uFillTx/>
-                          <a:latin typeface="+mn-lt"/>
-                          <a:ea typeface="+mn-ea"/>
-                          <a:cs typeface="+mn-ea"/>
-                          <a:sym typeface="+mn-lt"/>
-                        </a:rPr>
-                        <a:t>否</a:t>
-                      </a:r>
                       <a:endParaRPr kumimoji="0" lang="en-US" altLang="zh-CN" sz="1200" b="0" i="0" u="none" strike="noStrike" kern="1200" cap="none" spc="0" normalizeH="0" baseline="0" noProof="0" dirty="0" smtClean="0">
                         <a:ln>
                           <a:noFill/>
@@ -21189,20 +19955,6 @@
                         <a:tabLst/>
                         <a:defRPr/>
                       </a:pPr>
-                      <a:r>
-                        <a:rPr lang="zh-CN" altLang="en-US" sz="1000" b="0" dirty="0" smtClean="0">
-                          <a:solidFill>
-                            <a:schemeClr val="accent1">
-                              <a:lumMod val="75000"/>
-                            </a:schemeClr>
-                          </a:solidFill>
-                          <a:latin typeface="+mn-lt"/>
-                          <a:ea typeface="+mn-ea"/>
-                          <a:cs typeface="+mn-ea"/>
-                          <a:sym typeface="+mn-lt"/>
-                        </a:rPr>
-                        <a:t>注明其他费用内容</a:t>
-                      </a:r>
                       <a:endParaRPr lang="en-US" altLang="zh-CN" sz="1000" b="0" dirty="0" smtClean="0">
                         <a:solidFill>
                           <a:schemeClr val="accent1">
@@ -21289,18 +20041,15 @@
                         <a:tabLst/>
                         <a:defRPr/>
                       </a:pPr>
-                      <a:r>
-                        <a:rPr lang="en-US" altLang="zh-CN" sz="1200" b="0" dirty="0" smtClean="0">
-                          <a:solidFill>
-                            <a:schemeClr val="tx1"/>
-                          </a:solidFill>
-                          <a:latin typeface="+mn-lt"/>
-                          <a:ea typeface="+mn-ea"/>
-                          <a:cs typeface="+mn-ea"/>
-                          <a:sym typeface="+mn-lt"/>
-                        </a:rPr>
-                        <a:t>RMB XX,XXX</a:t>
-                      </a:r>
+                      <a:endParaRPr lang="en-US" altLang="zh-CN" sz="1200" b="0" dirty="0" smtClean="0">
+                        <a:solidFill>
+                          <a:schemeClr val="tx1"/>
+                        </a:solidFill>
+                        <a:latin typeface="+mn-lt"/>
+                        <a:ea typeface="+mn-ea"/>
+                        <a:cs typeface="+mn-ea"/>
+                        <a:sym typeface="+mn-lt"/>
+                      </a:endParaRPr>
                     </a:p>
                   </a:txBody>
                   <a:tcPr anchor="ctr">
@@ -21331,60 +20080,6 @@
                         <a:tabLst/>
                         <a:defRPr/>
                       </a:pPr>
-                      <a:r>
-                        <a:rPr kumimoji="0" lang="zh-CN" altLang="en-US" sz="1200" b="0" i="0" u="none" strike="noStrike" kern="1200" cap="none" spc="0" normalizeH="0" baseline="0" noProof="0" dirty="0" smtClean="0">
-                          <a:ln>
-                            <a:noFill/>
-                          </a:ln>
-                          <a:solidFill>
-                            <a:srgbClr val="000000"/>
-                          </a:solidFill>
-                          <a:effectLst/>
-                          <a:uLnTx/>
-                          <a:uFillTx/>
-                          <a:latin typeface="+mn-lt"/>
-                          <a:ea typeface="+mn-ea"/>
-                          <a:cs typeface="+mn-ea"/>
-                          <a:sym typeface="+mn-lt"/>
-                        </a:rPr>
-                        <a:t>是</a:t>
-                      </a:r>
-                      <a:r>
-                        <a:rPr kumimoji="0" lang="en-US" altLang="zh-CN" sz="1200" b="0" i="0" u="none" strike="noStrike" kern="1200" cap="none" spc="0" normalizeH="0" baseline="0" noProof="0" dirty="0" smtClean="0">
-                          <a:ln>
-                            <a:noFill/>
-                          </a:ln>
-                          <a:solidFill>
-                            <a:srgbClr val="000000"/>
-                          </a:solidFill>
-                          <a:effectLst/>
-                          <a:uLnTx/>
-                          <a:uFillTx/>
-                          <a:latin typeface="+mn-lt"/>
-                          <a:ea typeface="+mn-ea"/>
-                          <a:cs typeface="+mn-ea"/>
-                          <a:sym typeface="+mn-lt"/>
-                        </a:rPr>
-                        <a:t>/</a:t>
-                      </a:r>
-                      <a:r>
-                        <a:rPr kumimoji="0" lang="zh-CN" altLang="en-US" sz="1200" b="0" i="0" u="none" strike="noStrike" kern="1200" cap="none" spc="0" normalizeH="0" baseline="0" noProof="0" dirty="0" smtClean="0">
-                          <a:ln>
-                            <a:noFill/>
-                          </a:ln>
-                          <a:solidFill>
-                            <a:srgbClr val="000000"/>
-                          </a:solidFill>
-                          <a:effectLst/>
-                          <a:uLnTx/>
-                          <a:uFillTx/>
-                          <a:latin typeface="+mn-lt"/>
-                          <a:ea typeface="+mn-ea"/>
-                          <a:cs typeface="+mn-ea"/>
-                          <a:sym typeface="+mn-lt"/>
-                        </a:rPr>
-                        <a:t>否</a:t>
-                      </a:r>
                       <a:endParaRPr kumimoji="0" lang="en-US" altLang="zh-CN" sz="1200" b="0" i="0" u="none" strike="noStrike" kern="1200" cap="none" spc="0" normalizeH="0" baseline="0" noProof="0" dirty="0" smtClean="0">
                         <a:ln>
                           <a:noFill/>
@@ -21533,7 +20228,7 @@
                 </a:tc>
                 <a:extLst>
                   <a:ext uri="{0D108BD9-81ED-4DB2-BD59-A6C34878D82A}">
-                    <a16:rowId xmlns:a16="http://schemas.microsoft.com/office/drawing/2014/main" xmlns="" val="981176443"/>
+                    <a16:rowId xmlns="" xmlns:a16="http://schemas.microsoft.com/office/drawing/2014/main" val="981176443"/>
                   </a:ext>
                 </a:extLst>
               </a:tr>
@@ -21811,8 +20506,8 @@
         </p:nvGrpSpPr>
         <p:grpSpPr>
           <a:xfrm>
-            <a:off x="539015" y="1730368"/>
-            <a:ext cx="11080728" cy="4593430"/>
+            <a:off x="539015" y="1730367"/>
+            <a:ext cx="11080728" cy="4947269"/>
             <a:chOff x="181914" y="1426463"/>
             <a:chExt cx="9940530" cy="3182113"/>
           </a:xfrm>
@@ -23386,7 +22081,7 @@
           <a:graphicData uri="http://schemas.openxmlformats.org/presentationml/2006/ole">
             <mc:AlternateContent xmlns:mc="http://schemas.openxmlformats.org/markup-compatibility/2006">
               <mc:Choice xmlns:v="urn:schemas-microsoft-com:vml" Requires="v">
-                <p:oleObj spid="_x0000_s44057" name="think-cell Slide" r:id="rId5" imgW="416" imgH="416" progId="TCLayout.ActiveDocument.1">
+                <p:oleObj spid="_x0000_s44076" name="think-cell Slide" r:id="rId5" imgW="416" imgH="416" progId="TCLayout.ActiveDocument.1">
                   <p:embed/>
                 </p:oleObj>
               </mc:Choice>
@@ -23429,8 +22124,8 @@
         </p:nvSpPr>
         <p:spPr>
           <a:xfrm>
-            <a:off x="558263" y="1150394"/>
-            <a:ext cx="11061479" cy="5163779"/>
+            <a:off x="558263" y="1661020"/>
+            <a:ext cx="11061479" cy="5037616"/>
           </a:xfrm>
           <a:prstGeom prst="rect">
             <a:avLst/>
@@ -23594,42 +22289,6 @@
           </a:p>
         </p:txBody>
       </p:sp>
-      <p:pic>
-        <p:nvPicPr>
-          <p:cNvPr id="7" name="图片 5">
-            <a:extLst>
-              <a:ext uri="{FF2B5EF4-FFF2-40B4-BE49-F238E27FC236}">
-                <a16:creationId xmlns:a16="http://schemas.microsoft.com/office/drawing/2014/main" xmlns="" id="{678FB949-4BA1-0C4C-A94C-DCC5BCEA5D66}"/>
-              </a:ext>
-            </a:extLst>
-          </p:cNvPr>
-          <p:cNvPicPr>
-            <a:picLocks noChangeAspect="1"/>
-          </p:cNvPicPr>
-          <p:nvPr/>
-        </p:nvPicPr>
-        <p:blipFill>
-          <a:blip r:embed="rId7">
-            <a:extLst>
-              <a:ext uri="{28A0092B-C50C-407E-A947-70E740481C1C}">
-                <a14:useLocalDpi xmlns:a14="http://schemas.microsoft.com/office/drawing/2010/main" val="0"/>
-              </a:ext>
-            </a:extLst>
-          </a:blip>
-          <a:stretch>
-            <a:fillRect/>
-          </a:stretch>
-        </p:blipFill>
-        <p:spPr>
-          <a:xfrm>
-            <a:off x="1397873" y="1075747"/>
-            <a:ext cx="9382258" cy="5238426"/>
-          </a:xfrm>
-          <a:prstGeom prst="rect">
-            <a:avLst/>
-          </a:prstGeom>
-        </p:spPr>
-      </p:pic>
       <p:sp>
         <p:nvSpPr>
           <p:cNvPr id="4" name="Rectangle 3"/>
@@ -23877,6 +22536,186 @@
               <a:t>Plan</a:t>
             </a:r>
             <a:endParaRPr lang="en-US" altLang="zh-CN" sz="1050" dirty="0"/>
+          </a:p>
+        </p:txBody>
+      </p:sp>
+      <p:sp>
+        <p:nvSpPr>
+          <p:cNvPr id="9" name="Rectangle 8"/>
+          <p:cNvSpPr/>
+          <p:nvPr/>
+        </p:nvSpPr>
+        <p:spPr>
+          <a:xfrm>
+            <a:off x="558264" y="1126740"/>
+            <a:ext cx="11081395" cy="523220"/>
+          </a:xfrm>
+          <a:prstGeom prst="rect">
+            <a:avLst/>
+          </a:prstGeom>
+          <a:solidFill>
+            <a:schemeClr val="accent1">
+              <a:lumMod val="50000"/>
+            </a:schemeClr>
+          </a:solidFill>
+        </p:spPr>
+        <p:txBody>
+          <a:bodyPr wrap="square">
+            <a:spAutoFit/>
+          </a:bodyPr>
+          <a:lstStyle>
+            <a:defPPr>
+              <a:defRPr lang="en-US"/>
+            </a:defPPr>
+            <a:lvl1pPr marL="0" algn="l" defTabSz="914400" rtl="0" eaLnBrk="1" latinLnBrk="0" hangingPunct="1">
+              <a:defRPr sz="1800" kern="1200">
+                <a:solidFill>
+                  <a:schemeClr val="tx1"/>
+                </a:solidFill>
+                <a:latin typeface="+mn-lt"/>
+                <a:ea typeface="+mn-ea"/>
+                <a:cs typeface="+mn-cs"/>
+              </a:defRPr>
+            </a:lvl1pPr>
+            <a:lvl2pPr marL="457200" algn="l" defTabSz="914400" rtl="0" eaLnBrk="1" latinLnBrk="0" hangingPunct="1">
+              <a:defRPr sz="1800" kern="1200">
+                <a:solidFill>
+                  <a:schemeClr val="tx1"/>
+                </a:solidFill>
+                <a:latin typeface="+mn-lt"/>
+                <a:ea typeface="+mn-ea"/>
+                <a:cs typeface="+mn-cs"/>
+              </a:defRPr>
+            </a:lvl2pPr>
+            <a:lvl3pPr marL="914400" algn="l" defTabSz="914400" rtl="0" eaLnBrk="1" latinLnBrk="0" hangingPunct="1">
+              <a:defRPr sz="1800" kern="1200">
+                <a:solidFill>
+                  <a:schemeClr val="tx1"/>
+                </a:solidFill>
+                <a:latin typeface="+mn-lt"/>
+                <a:ea typeface="+mn-ea"/>
+                <a:cs typeface="+mn-cs"/>
+              </a:defRPr>
+            </a:lvl3pPr>
+            <a:lvl4pPr marL="1371600" algn="l" defTabSz="914400" rtl="0" eaLnBrk="1" latinLnBrk="0" hangingPunct="1">
+              <a:defRPr sz="1800" kern="1200">
+                <a:solidFill>
+                  <a:schemeClr val="tx1"/>
+                </a:solidFill>
+                <a:latin typeface="+mn-lt"/>
+                <a:ea typeface="+mn-ea"/>
+                <a:cs typeface="+mn-cs"/>
+              </a:defRPr>
+            </a:lvl4pPr>
+            <a:lvl5pPr marL="1828800" algn="l" defTabSz="914400" rtl="0" eaLnBrk="1" latinLnBrk="0" hangingPunct="1">
+              <a:defRPr sz="1800" kern="1200">
+                <a:solidFill>
+                  <a:schemeClr val="tx1"/>
+                </a:solidFill>
+                <a:latin typeface="+mn-lt"/>
+                <a:ea typeface="+mn-ea"/>
+                <a:cs typeface="+mn-cs"/>
+              </a:defRPr>
+            </a:lvl5pPr>
+            <a:lvl6pPr marL="2286000" algn="l" defTabSz="914400" rtl="0" eaLnBrk="1" latinLnBrk="0" hangingPunct="1">
+              <a:defRPr sz="1800" kern="1200">
+                <a:solidFill>
+                  <a:schemeClr val="tx1"/>
+                </a:solidFill>
+                <a:latin typeface="+mn-lt"/>
+                <a:ea typeface="+mn-ea"/>
+                <a:cs typeface="+mn-cs"/>
+              </a:defRPr>
+            </a:lvl6pPr>
+            <a:lvl7pPr marL="2743200" algn="l" defTabSz="914400" rtl="0" eaLnBrk="1" latinLnBrk="0" hangingPunct="1">
+              <a:defRPr sz="1800" kern="1200">
+                <a:solidFill>
+                  <a:schemeClr val="tx1"/>
+                </a:solidFill>
+                <a:latin typeface="+mn-lt"/>
+                <a:ea typeface="+mn-ea"/>
+                <a:cs typeface="+mn-cs"/>
+              </a:defRPr>
+            </a:lvl7pPr>
+            <a:lvl8pPr marL="3200400" algn="l" defTabSz="914400" rtl="0" eaLnBrk="1" latinLnBrk="0" hangingPunct="1">
+              <a:defRPr sz="1800" kern="1200">
+                <a:solidFill>
+                  <a:schemeClr val="tx1"/>
+                </a:solidFill>
+                <a:latin typeface="+mn-lt"/>
+                <a:ea typeface="+mn-ea"/>
+                <a:cs typeface="+mn-cs"/>
+              </a:defRPr>
+            </a:lvl8pPr>
+            <a:lvl9pPr marL="3657600" algn="l" defTabSz="914400" rtl="0" eaLnBrk="1" latinLnBrk="0" hangingPunct="1">
+              <a:defRPr sz="1800" kern="1200">
+                <a:solidFill>
+                  <a:schemeClr val="tx1"/>
+                </a:solidFill>
+                <a:latin typeface="+mn-lt"/>
+                <a:ea typeface="+mn-ea"/>
+                <a:cs typeface="+mn-cs"/>
+              </a:defRPr>
+            </a:lvl9pPr>
+          </a:lstStyle>
+          <a:p>
+            <a:pPr algn="ctr" defTabSz="1085210" eaLnBrk="0" fontAlgn="base" hangingPunct="0">
+              <a:spcBef>
+                <a:spcPct val="0"/>
+              </a:spcBef>
+              <a:spcAft>
+                <a:spcPct val="0"/>
+              </a:spcAft>
+              <a:buSzPct val="100000"/>
+            </a:pPr>
+            <a:r>
+              <a:rPr lang="en-US" altLang="zh-CN" sz="1400" b="1" dirty="0">
+                <a:solidFill>
+                  <a:srgbClr val="FFFFFF"/>
+                </a:solidFill>
+                <a:cs typeface="+mn-ea"/>
+                <a:sym typeface="+mn-lt"/>
+              </a:rPr>
+              <a:t>Brand Representation </a:t>
+            </a:r>
+            <a:endParaRPr lang="en-US" altLang="zh-CN" sz="1400" b="1" dirty="0" smtClean="0">
+              <a:solidFill>
+                <a:srgbClr val="FFFFFF"/>
+              </a:solidFill>
+              <a:cs typeface="+mn-ea"/>
+              <a:sym typeface="+mn-lt"/>
+            </a:endParaRPr>
+          </a:p>
+          <a:p>
+            <a:pPr algn="ctr" defTabSz="1085210" eaLnBrk="0" fontAlgn="base" hangingPunct="0">
+              <a:spcBef>
+                <a:spcPct val="0"/>
+              </a:spcBef>
+              <a:spcAft>
+                <a:spcPct val="0"/>
+              </a:spcAft>
+              <a:buSzPct val="100000"/>
+            </a:pPr>
+            <a:r>
+              <a:rPr lang="zh-CN" altLang="en-US" sz="1400" b="1" dirty="0" smtClean="0">
+                <a:solidFill>
+                  <a:srgbClr val="FFFFFF"/>
+                </a:solidFill>
+                <a:cs typeface="+mn-ea"/>
+                <a:sym typeface="+mn-lt"/>
+              </a:rPr>
+              <a:t>活动</a:t>
+            </a:r>
+            <a:r>
+              <a:rPr lang="zh-CN" altLang="en-US" sz="1400" b="1" dirty="0">
+                <a:solidFill>
+                  <a:srgbClr val="FFFFFF"/>
+                </a:solidFill>
+                <a:cs typeface="+mn-ea"/>
+                <a:sym typeface="+mn-lt"/>
+              </a:rPr>
+              <a:t>主视觉或背板</a:t>
+            </a:r>
           </a:p>
         </p:txBody>
       </p:sp>
@@ -26072,7 +24911,7 @@
   <a:extraClrSchemeLst/>
   <a:extLst>
     <a:ext uri="{05A4C25C-085E-4340-85A3-A5531E510DB2}">
-      <thm15:themeFamily xmlns:thm15="http://schemas.microsoft.com/office/thememl/2012/main" xmlns="" name="Bentley template 2021.potx" id="{C9F80F40-B2B1-4DB6-919B-71F3AAFFE5B0}" vid="{F9D38CA0-4F02-4029-A6BC-9642EF690A5C}"/>
+      <thm15:themeFamily xmlns="" xmlns:thm15="http://schemas.microsoft.com/office/thememl/2012/main" name="Bentley template 2021.potx" id="{C9F80F40-B2B1-4DB6-919B-71F3AAFFE5B0}" vid="{F9D38CA0-4F02-4029-A6BC-9642EF690A5C}"/>
     </a:ext>
   </a:extLst>
 </a:theme>
@@ -26306,7 +25145,7 @@
   <a:extraClrSchemeLst/>
   <a:extLst>
     <a:ext uri="{05A4C25C-085E-4340-85A3-A5531E510DB2}">
-      <thm15:themeFamily xmlns:thm15="http://schemas.microsoft.com/office/thememl/2012/main" xmlns="" name="Bentley template 2021.potx" id="{C9F80F40-B2B1-4DB6-919B-71F3AAFFE5B0}" vid="{F9D38CA0-4F02-4029-A6BC-9642EF690A5C}"/>
+      <thm15:themeFamily xmlns="" xmlns:thm15="http://schemas.microsoft.com/office/thememl/2012/main" name="Bentley template 2021.potx" id="{C9F80F40-B2B1-4DB6-919B-71F3AAFFE5B0}" vid="{F9D38CA0-4F02-4029-A6BC-9642EF690A5C}"/>
     </a:ext>
   </a:extLst>
 </a:theme>
@@ -26567,7 +25406,7 @@
   <a:extraClrSchemeLst/>
   <a:extLst>
     <a:ext uri="{05A4C25C-085E-4340-85A3-A5531E510DB2}">
-      <thm15:themeFamily xmlns:thm15="http://schemas.microsoft.com/office/thememl/2012/main" xmlns="" name="Office Theme" id="{62F939B6-93AF-4DB8-9C6B-D6C7DFDC589F}" vid="{4A3C46E8-61CC-4603-A589-7422A47A8E4A}"/>
+      <thm15:themeFamily xmlns="" xmlns:thm15="http://schemas.microsoft.com/office/thememl/2012/main" name="Office Theme" id="{62F939B6-93AF-4DB8-9C6B-D6C7DFDC589F}" vid="{4A3C46E8-61CC-4603-A589-7422A47A8E4A}"/>
     </a:ext>
   </a:extLst>
 </a:theme>
